--- a/AVANT-PROJET/Présentation NavConnect.pptx
+++ b/AVANT-PROJET/Présentation NavConnect.pptx
@@ -5,7 +5,7 @@
     <p:sldMasterId id="2147483648" r:id="rId1"/>
   </p:sldMasterIdLst>
   <p:notesMasterIdLst>
-    <p:notesMasterId r:id="rId16"/>
+    <p:notesMasterId r:id="rId15"/>
   </p:notesMasterIdLst>
   <p:sldIdLst>
     <p:sldId id="256" r:id="rId2"/>
@@ -18,10 +18,9 @@
     <p:sldId id="263" r:id="rId9"/>
     <p:sldId id="266" r:id="rId10"/>
     <p:sldId id="265" r:id="rId11"/>
-    <p:sldId id="270" r:id="rId12"/>
-    <p:sldId id="264" r:id="rId13"/>
-    <p:sldId id="267" r:id="rId14"/>
-    <p:sldId id="268" r:id="rId15"/>
+    <p:sldId id="264" r:id="rId12"/>
+    <p:sldId id="267" r:id="rId13"/>
+    <p:sldId id="268" r:id="rId14"/>
   </p:sldIdLst>
   <p:sldSz cx="12192000" cy="6858000"/>
   <p:notesSz cx="6858000" cy="9144000"/>
@@ -120,10 +119,762 @@
       </a:defRPr>
     </a:lvl9pPr>
   </p:defaultTextStyle>
+  <p:extLst>
+    <p:ext uri="{EFAFB233-063F-42B5-8137-9DF3F51BA10A}">
+      <p15:sldGuideLst xmlns:p15="http://schemas.microsoft.com/office/powerpoint/2012/main"/>
+    </p:ext>
+  </p:extLst>
 </p:presentation>
 </file>
 
 <file path=ppt/diagrams/colors1.xml><?xml version="1.0" encoding="utf-8"?>
+<dgm:colorsDef xmlns:dgm="http://schemas.openxmlformats.org/drawingml/2006/diagram" xmlns:a="http://schemas.openxmlformats.org/drawingml/2006/main" uniqueId="urn:microsoft.com/office/officeart/2005/8/colors/accent1_2">
+  <dgm:title val=""/>
+  <dgm:desc val=""/>
+  <dgm:catLst>
+    <dgm:cat type="accent1" pri="11200"/>
+  </dgm:catLst>
+  <dgm:styleLbl name="node0">
+    <dgm:fillClrLst meth="repeat">
+      <a:schemeClr val="accent1"/>
+    </dgm:fillClrLst>
+    <dgm:linClrLst meth="repeat">
+      <a:schemeClr val="lt1"/>
+    </dgm:linClrLst>
+    <dgm:effectClrLst/>
+    <dgm:txLinClrLst/>
+    <dgm:txFillClrLst/>
+    <dgm:txEffectClrLst/>
+  </dgm:styleLbl>
+  <dgm:styleLbl name="alignNode1">
+    <dgm:fillClrLst meth="repeat">
+      <a:schemeClr val="accent1"/>
+    </dgm:fillClrLst>
+    <dgm:linClrLst meth="repeat">
+      <a:schemeClr val="accent1"/>
+    </dgm:linClrLst>
+    <dgm:effectClrLst/>
+    <dgm:txLinClrLst/>
+    <dgm:txFillClrLst/>
+    <dgm:txEffectClrLst/>
+  </dgm:styleLbl>
+  <dgm:styleLbl name="node1">
+    <dgm:fillClrLst meth="repeat">
+      <a:schemeClr val="accent1"/>
+    </dgm:fillClrLst>
+    <dgm:linClrLst meth="repeat">
+      <a:schemeClr val="lt1"/>
+    </dgm:linClrLst>
+    <dgm:effectClrLst/>
+    <dgm:txLinClrLst/>
+    <dgm:txFillClrLst/>
+    <dgm:txEffectClrLst/>
+  </dgm:styleLbl>
+  <dgm:styleLbl name="lnNode1">
+    <dgm:fillClrLst meth="repeat">
+      <a:schemeClr val="accent1"/>
+    </dgm:fillClrLst>
+    <dgm:linClrLst meth="repeat">
+      <a:schemeClr val="lt1"/>
+    </dgm:linClrLst>
+    <dgm:effectClrLst/>
+    <dgm:txLinClrLst/>
+    <dgm:txFillClrLst/>
+    <dgm:txEffectClrLst/>
+  </dgm:styleLbl>
+  <dgm:styleLbl name="vennNode1">
+    <dgm:fillClrLst meth="repeat">
+      <a:schemeClr val="accent1">
+        <a:alpha val="50000"/>
+      </a:schemeClr>
+    </dgm:fillClrLst>
+    <dgm:linClrLst meth="repeat">
+      <a:schemeClr val="lt1"/>
+    </dgm:linClrLst>
+    <dgm:effectClrLst/>
+    <dgm:txLinClrLst/>
+    <dgm:txFillClrLst/>
+    <dgm:txEffectClrLst/>
+  </dgm:styleLbl>
+  <dgm:styleLbl name="node2">
+    <dgm:fillClrLst meth="repeat">
+      <a:schemeClr val="accent1"/>
+    </dgm:fillClrLst>
+    <dgm:linClrLst meth="repeat">
+      <a:schemeClr val="lt1"/>
+    </dgm:linClrLst>
+    <dgm:effectClrLst/>
+    <dgm:txLinClrLst/>
+    <dgm:txFillClrLst/>
+    <dgm:txEffectClrLst/>
+  </dgm:styleLbl>
+  <dgm:styleLbl name="node3">
+    <dgm:fillClrLst meth="repeat">
+      <a:schemeClr val="accent1"/>
+    </dgm:fillClrLst>
+    <dgm:linClrLst meth="repeat">
+      <a:schemeClr val="lt1"/>
+    </dgm:linClrLst>
+    <dgm:effectClrLst/>
+    <dgm:txLinClrLst/>
+    <dgm:txFillClrLst/>
+    <dgm:txEffectClrLst/>
+  </dgm:styleLbl>
+  <dgm:styleLbl name="node4">
+    <dgm:fillClrLst meth="repeat">
+      <a:schemeClr val="accent1"/>
+    </dgm:fillClrLst>
+    <dgm:linClrLst meth="repeat">
+      <a:schemeClr val="lt1"/>
+    </dgm:linClrLst>
+    <dgm:effectClrLst/>
+    <dgm:txLinClrLst/>
+    <dgm:txFillClrLst/>
+    <dgm:txEffectClrLst/>
+  </dgm:styleLbl>
+  <dgm:styleLbl name="fgImgPlace1">
+    <dgm:fillClrLst meth="repeat">
+      <a:schemeClr val="accent1">
+        <a:tint val="50000"/>
+      </a:schemeClr>
+    </dgm:fillClrLst>
+    <dgm:linClrLst meth="repeat">
+      <a:schemeClr val="lt1"/>
+    </dgm:linClrLst>
+    <dgm:effectClrLst/>
+    <dgm:txLinClrLst/>
+    <dgm:txFillClrLst meth="repeat">
+      <a:schemeClr val="lt1"/>
+    </dgm:txFillClrLst>
+    <dgm:txEffectClrLst/>
+  </dgm:styleLbl>
+  <dgm:styleLbl name="alignImgPlace1">
+    <dgm:fillClrLst meth="repeat">
+      <a:schemeClr val="accent1">
+        <a:tint val="50000"/>
+      </a:schemeClr>
+    </dgm:fillClrLst>
+    <dgm:linClrLst meth="repeat">
+      <a:schemeClr val="lt1"/>
+    </dgm:linClrLst>
+    <dgm:effectClrLst/>
+    <dgm:txLinClrLst/>
+    <dgm:txFillClrLst meth="repeat">
+      <a:schemeClr val="lt1"/>
+    </dgm:txFillClrLst>
+    <dgm:txEffectClrLst/>
+  </dgm:styleLbl>
+  <dgm:styleLbl name="bgImgPlace1">
+    <dgm:fillClrLst meth="repeat">
+      <a:schemeClr val="accent1">
+        <a:tint val="50000"/>
+      </a:schemeClr>
+    </dgm:fillClrLst>
+    <dgm:linClrLst meth="repeat">
+      <a:schemeClr val="lt1"/>
+    </dgm:linClrLst>
+    <dgm:effectClrLst/>
+    <dgm:txLinClrLst/>
+    <dgm:txFillClrLst meth="repeat">
+      <a:schemeClr val="lt1"/>
+    </dgm:txFillClrLst>
+    <dgm:txEffectClrLst/>
+  </dgm:styleLbl>
+  <dgm:styleLbl name="sibTrans2D1">
+    <dgm:fillClrLst meth="repeat">
+      <a:schemeClr val="accent1">
+        <a:tint val="60000"/>
+      </a:schemeClr>
+    </dgm:fillClrLst>
+    <dgm:linClrLst meth="repeat">
+      <a:schemeClr val="accent1">
+        <a:tint val="60000"/>
+      </a:schemeClr>
+    </dgm:linClrLst>
+    <dgm:effectClrLst/>
+    <dgm:txLinClrLst/>
+    <dgm:txFillClrLst/>
+    <dgm:txEffectClrLst/>
+  </dgm:styleLbl>
+  <dgm:styleLbl name="fgSibTrans2D1">
+    <dgm:fillClrLst meth="repeat">
+      <a:schemeClr val="accent1">
+        <a:tint val="60000"/>
+      </a:schemeClr>
+    </dgm:fillClrLst>
+    <dgm:linClrLst meth="repeat">
+      <a:schemeClr val="accent1">
+        <a:tint val="60000"/>
+      </a:schemeClr>
+    </dgm:linClrLst>
+    <dgm:effectClrLst/>
+    <dgm:txLinClrLst/>
+    <dgm:txFillClrLst/>
+    <dgm:txEffectClrLst/>
+  </dgm:styleLbl>
+  <dgm:styleLbl name="bgSibTrans2D1">
+    <dgm:fillClrLst meth="repeat">
+      <a:schemeClr val="accent1">
+        <a:tint val="60000"/>
+      </a:schemeClr>
+    </dgm:fillClrLst>
+    <dgm:linClrLst meth="repeat">
+      <a:schemeClr val="accent1">
+        <a:tint val="60000"/>
+      </a:schemeClr>
+    </dgm:linClrLst>
+    <dgm:effectClrLst/>
+    <dgm:txLinClrLst/>
+    <dgm:txFillClrLst/>
+    <dgm:txEffectClrLst/>
+  </dgm:styleLbl>
+  <dgm:styleLbl name="sibTrans1D1">
+    <dgm:fillClrLst meth="repeat">
+      <a:schemeClr val="accent1"/>
+    </dgm:fillClrLst>
+    <dgm:linClrLst meth="repeat">
+      <a:schemeClr val="accent1"/>
+    </dgm:linClrLst>
+    <dgm:effectClrLst/>
+    <dgm:txLinClrLst/>
+    <dgm:txFillClrLst meth="repeat">
+      <a:schemeClr val="tx1"/>
+    </dgm:txFillClrLst>
+    <dgm:txEffectClrLst/>
+  </dgm:styleLbl>
+  <dgm:styleLbl name="callout">
+    <dgm:fillClrLst meth="repeat">
+      <a:schemeClr val="accent1"/>
+    </dgm:fillClrLst>
+    <dgm:linClrLst meth="repeat">
+      <a:schemeClr val="accent1">
+        <a:tint val="50000"/>
+      </a:schemeClr>
+    </dgm:linClrLst>
+    <dgm:effectClrLst/>
+    <dgm:txLinClrLst/>
+    <dgm:txFillClrLst meth="repeat">
+      <a:schemeClr val="tx1"/>
+    </dgm:txFillClrLst>
+    <dgm:txEffectClrLst/>
+  </dgm:styleLbl>
+  <dgm:styleLbl name="asst0">
+    <dgm:fillClrLst meth="repeat">
+      <a:schemeClr val="accent1"/>
+    </dgm:fillClrLst>
+    <dgm:linClrLst meth="repeat">
+      <a:schemeClr val="lt1"/>
+    </dgm:linClrLst>
+    <dgm:effectClrLst/>
+    <dgm:txLinClrLst/>
+    <dgm:txFillClrLst/>
+    <dgm:txEffectClrLst/>
+  </dgm:styleLbl>
+  <dgm:styleLbl name="asst1">
+    <dgm:fillClrLst meth="repeat">
+      <a:schemeClr val="accent1"/>
+    </dgm:fillClrLst>
+    <dgm:linClrLst meth="repeat">
+      <a:schemeClr val="lt1"/>
+    </dgm:linClrLst>
+    <dgm:effectClrLst/>
+    <dgm:txLinClrLst/>
+    <dgm:txFillClrLst/>
+    <dgm:txEffectClrLst/>
+  </dgm:styleLbl>
+  <dgm:styleLbl name="asst2">
+    <dgm:fillClrLst meth="repeat">
+      <a:schemeClr val="accent1"/>
+    </dgm:fillClrLst>
+    <dgm:linClrLst meth="repeat">
+      <a:schemeClr val="lt1"/>
+    </dgm:linClrLst>
+    <dgm:effectClrLst/>
+    <dgm:txLinClrLst/>
+    <dgm:txFillClrLst/>
+    <dgm:txEffectClrLst/>
+  </dgm:styleLbl>
+  <dgm:styleLbl name="asst3">
+    <dgm:fillClrLst meth="repeat">
+      <a:schemeClr val="accent1"/>
+    </dgm:fillClrLst>
+    <dgm:linClrLst meth="repeat">
+      <a:schemeClr val="lt1"/>
+    </dgm:linClrLst>
+    <dgm:effectClrLst/>
+    <dgm:txLinClrLst/>
+    <dgm:txFillClrLst/>
+    <dgm:txEffectClrLst/>
+  </dgm:styleLbl>
+  <dgm:styleLbl name="asst4">
+    <dgm:fillClrLst meth="repeat">
+      <a:schemeClr val="accent1"/>
+    </dgm:fillClrLst>
+    <dgm:linClrLst meth="repeat">
+      <a:schemeClr val="lt1"/>
+    </dgm:linClrLst>
+    <dgm:effectClrLst/>
+    <dgm:txLinClrLst/>
+    <dgm:txFillClrLst/>
+    <dgm:txEffectClrLst/>
+  </dgm:styleLbl>
+  <dgm:styleLbl name="parChTrans2D1">
+    <dgm:fillClrLst meth="repeat">
+      <a:schemeClr val="accent1">
+        <a:tint val="60000"/>
+      </a:schemeClr>
+    </dgm:fillClrLst>
+    <dgm:linClrLst meth="repeat">
+      <a:schemeClr val="accent1">
+        <a:tint val="60000"/>
+      </a:schemeClr>
+    </dgm:linClrLst>
+    <dgm:effectClrLst/>
+    <dgm:txLinClrLst/>
+    <dgm:txFillClrLst meth="repeat">
+      <a:schemeClr val="lt1"/>
+    </dgm:txFillClrLst>
+    <dgm:txEffectClrLst/>
+  </dgm:styleLbl>
+  <dgm:styleLbl name="parChTrans2D2">
+    <dgm:fillClrLst meth="repeat">
+      <a:schemeClr val="accent1"/>
+    </dgm:fillClrLst>
+    <dgm:linClrLst meth="repeat">
+      <a:schemeClr val="accent1"/>
+    </dgm:linClrLst>
+    <dgm:effectClrLst/>
+    <dgm:txLinClrLst/>
+    <dgm:txFillClrLst meth="repeat">
+      <a:schemeClr val="lt1"/>
+    </dgm:txFillClrLst>
+    <dgm:txEffectClrLst/>
+  </dgm:styleLbl>
+  <dgm:styleLbl name="parChTrans2D3">
+    <dgm:fillClrLst meth="repeat">
+      <a:schemeClr val="accent1"/>
+    </dgm:fillClrLst>
+    <dgm:linClrLst meth="repeat">
+      <a:schemeClr val="accent1"/>
+    </dgm:linClrLst>
+    <dgm:effectClrLst/>
+    <dgm:txLinClrLst/>
+    <dgm:txFillClrLst meth="repeat">
+      <a:schemeClr val="lt1"/>
+    </dgm:txFillClrLst>
+    <dgm:txEffectClrLst/>
+  </dgm:styleLbl>
+  <dgm:styleLbl name="parChTrans2D4">
+    <dgm:fillClrLst meth="repeat">
+      <a:schemeClr val="accent1"/>
+    </dgm:fillClrLst>
+    <dgm:linClrLst meth="repeat">
+      <a:schemeClr val="accent1"/>
+    </dgm:linClrLst>
+    <dgm:effectClrLst/>
+    <dgm:txLinClrLst/>
+    <dgm:txFillClrLst meth="repeat">
+      <a:schemeClr val="lt1"/>
+    </dgm:txFillClrLst>
+    <dgm:txEffectClrLst/>
+  </dgm:styleLbl>
+  <dgm:styleLbl name="parChTrans1D1">
+    <dgm:fillClrLst meth="repeat">
+      <a:schemeClr val="accent1"/>
+    </dgm:fillClrLst>
+    <dgm:linClrLst meth="repeat">
+      <a:schemeClr val="accent1">
+        <a:shade val="60000"/>
+      </a:schemeClr>
+    </dgm:linClrLst>
+    <dgm:effectClrLst/>
+    <dgm:txLinClrLst/>
+    <dgm:txFillClrLst meth="repeat">
+      <a:schemeClr val="tx1"/>
+    </dgm:txFillClrLst>
+    <dgm:txEffectClrLst/>
+  </dgm:styleLbl>
+  <dgm:styleLbl name="parChTrans1D2">
+    <dgm:fillClrLst meth="repeat">
+      <a:schemeClr val="accent1"/>
+    </dgm:fillClrLst>
+    <dgm:linClrLst meth="repeat">
+      <a:schemeClr val="accent1">
+        <a:shade val="60000"/>
+      </a:schemeClr>
+    </dgm:linClrLst>
+    <dgm:effectClrLst/>
+    <dgm:txLinClrLst/>
+    <dgm:txFillClrLst meth="repeat">
+      <a:schemeClr val="tx1"/>
+    </dgm:txFillClrLst>
+    <dgm:txEffectClrLst/>
+  </dgm:styleLbl>
+  <dgm:styleLbl name="parChTrans1D3">
+    <dgm:fillClrLst meth="repeat">
+      <a:schemeClr val="accent1"/>
+    </dgm:fillClrLst>
+    <dgm:linClrLst meth="repeat">
+      <a:schemeClr val="accent1">
+        <a:shade val="80000"/>
+      </a:schemeClr>
+    </dgm:linClrLst>
+    <dgm:effectClrLst/>
+    <dgm:txLinClrLst/>
+    <dgm:txFillClrLst meth="repeat">
+      <a:schemeClr val="tx1"/>
+    </dgm:txFillClrLst>
+    <dgm:txEffectClrLst/>
+  </dgm:styleLbl>
+  <dgm:styleLbl name="parChTrans1D4">
+    <dgm:fillClrLst meth="repeat">
+      <a:schemeClr val="accent1"/>
+    </dgm:fillClrLst>
+    <dgm:linClrLst meth="repeat">
+      <a:schemeClr val="accent1">
+        <a:shade val="80000"/>
+      </a:schemeClr>
+    </dgm:linClrLst>
+    <dgm:effectClrLst/>
+    <dgm:txLinClrLst/>
+    <dgm:txFillClrLst meth="repeat">
+      <a:schemeClr val="tx1"/>
+    </dgm:txFillClrLst>
+    <dgm:txEffectClrLst/>
+  </dgm:styleLbl>
+  <dgm:styleLbl name="fgAcc1">
+    <dgm:fillClrLst meth="repeat">
+      <a:schemeClr val="lt1">
+        <a:alpha val="90000"/>
+      </a:schemeClr>
+    </dgm:fillClrLst>
+    <dgm:linClrLst meth="repeat">
+      <a:schemeClr val="accent1"/>
+    </dgm:linClrLst>
+    <dgm:effectClrLst/>
+    <dgm:txLinClrLst/>
+    <dgm:txFillClrLst meth="repeat">
+      <a:schemeClr val="dk1"/>
+    </dgm:txFillClrLst>
+    <dgm:txEffectClrLst/>
+  </dgm:styleLbl>
+  <dgm:styleLbl name="conFgAcc1">
+    <dgm:fillClrLst meth="repeat">
+      <a:schemeClr val="lt1">
+        <a:alpha val="90000"/>
+      </a:schemeClr>
+    </dgm:fillClrLst>
+    <dgm:linClrLst meth="repeat">
+      <a:schemeClr val="accent1"/>
+    </dgm:linClrLst>
+    <dgm:effectClrLst/>
+    <dgm:txLinClrLst/>
+    <dgm:txFillClrLst meth="repeat">
+      <a:schemeClr val="dk1"/>
+    </dgm:txFillClrLst>
+    <dgm:txEffectClrLst/>
+  </dgm:styleLbl>
+  <dgm:styleLbl name="alignAcc1">
+    <dgm:fillClrLst meth="repeat">
+      <a:schemeClr val="lt1">
+        <a:alpha val="90000"/>
+      </a:schemeClr>
+    </dgm:fillClrLst>
+    <dgm:linClrLst meth="repeat">
+      <a:schemeClr val="accent1"/>
+    </dgm:linClrLst>
+    <dgm:effectClrLst/>
+    <dgm:txLinClrLst/>
+    <dgm:txFillClrLst meth="repeat">
+      <a:schemeClr val="dk1"/>
+    </dgm:txFillClrLst>
+    <dgm:txEffectClrLst/>
+  </dgm:styleLbl>
+  <dgm:styleLbl name="trAlignAcc1">
+    <dgm:fillClrLst meth="repeat">
+      <a:schemeClr val="lt1">
+        <a:alpha val="40000"/>
+      </a:schemeClr>
+    </dgm:fillClrLst>
+    <dgm:linClrLst meth="repeat">
+      <a:schemeClr val="accent1"/>
+    </dgm:linClrLst>
+    <dgm:effectClrLst/>
+    <dgm:txLinClrLst/>
+    <dgm:txFillClrLst meth="repeat">
+      <a:schemeClr val="dk1"/>
+    </dgm:txFillClrLst>
+    <dgm:txEffectClrLst/>
+  </dgm:styleLbl>
+  <dgm:styleLbl name="bgAcc1">
+    <dgm:fillClrLst meth="repeat">
+      <a:schemeClr val="lt1">
+        <a:alpha val="90000"/>
+      </a:schemeClr>
+    </dgm:fillClrLst>
+    <dgm:linClrLst meth="repeat">
+      <a:schemeClr val="accent1"/>
+    </dgm:linClrLst>
+    <dgm:effectClrLst/>
+    <dgm:txLinClrLst/>
+    <dgm:txFillClrLst meth="repeat">
+      <a:schemeClr val="dk1"/>
+    </dgm:txFillClrLst>
+    <dgm:txEffectClrLst/>
+  </dgm:styleLbl>
+  <dgm:styleLbl name="solidFgAcc1">
+    <dgm:fillClrLst meth="repeat">
+      <a:schemeClr val="lt1"/>
+    </dgm:fillClrLst>
+    <dgm:linClrLst meth="repeat">
+      <a:schemeClr val="accent1"/>
+    </dgm:linClrLst>
+    <dgm:effectClrLst/>
+    <dgm:txLinClrLst/>
+    <dgm:txFillClrLst meth="repeat">
+      <a:schemeClr val="dk1"/>
+    </dgm:txFillClrLst>
+    <dgm:txEffectClrLst/>
+  </dgm:styleLbl>
+  <dgm:styleLbl name="solidAlignAcc1">
+    <dgm:fillClrLst meth="repeat">
+      <a:schemeClr val="lt1"/>
+    </dgm:fillClrLst>
+    <dgm:linClrLst meth="repeat">
+      <a:schemeClr val="accent1"/>
+    </dgm:linClrLst>
+    <dgm:effectClrLst/>
+    <dgm:txLinClrLst/>
+    <dgm:txFillClrLst meth="repeat">
+      <a:schemeClr val="dk1"/>
+    </dgm:txFillClrLst>
+    <dgm:txEffectClrLst/>
+  </dgm:styleLbl>
+  <dgm:styleLbl name="solidBgAcc1">
+    <dgm:fillClrLst meth="repeat">
+      <a:schemeClr val="lt1"/>
+    </dgm:fillClrLst>
+    <dgm:linClrLst meth="repeat">
+      <a:schemeClr val="accent1"/>
+    </dgm:linClrLst>
+    <dgm:effectClrLst/>
+    <dgm:txLinClrLst/>
+    <dgm:txFillClrLst meth="repeat">
+      <a:schemeClr val="dk1"/>
+    </dgm:txFillClrLst>
+    <dgm:txEffectClrLst/>
+  </dgm:styleLbl>
+  <dgm:styleLbl name="fgAccFollowNode1">
+    <dgm:fillClrLst meth="repeat">
+      <a:schemeClr val="accent1">
+        <a:alpha val="90000"/>
+        <a:tint val="40000"/>
+      </a:schemeClr>
+    </dgm:fillClrLst>
+    <dgm:linClrLst meth="repeat">
+      <a:schemeClr val="accent1">
+        <a:alpha val="90000"/>
+        <a:tint val="40000"/>
+      </a:schemeClr>
+    </dgm:linClrLst>
+    <dgm:effectClrLst/>
+    <dgm:txLinClrLst/>
+    <dgm:txFillClrLst meth="repeat">
+      <a:schemeClr val="dk1"/>
+    </dgm:txFillClrLst>
+    <dgm:txEffectClrLst/>
+  </dgm:styleLbl>
+  <dgm:styleLbl name="alignAccFollowNode1">
+    <dgm:fillClrLst meth="repeat">
+      <a:schemeClr val="accent1">
+        <a:alpha val="90000"/>
+        <a:tint val="40000"/>
+      </a:schemeClr>
+    </dgm:fillClrLst>
+    <dgm:linClrLst meth="repeat">
+      <a:schemeClr val="accent1">
+        <a:alpha val="90000"/>
+        <a:tint val="40000"/>
+      </a:schemeClr>
+    </dgm:linClrLst>
+    <dgm:effectClrLst/>
+    <dgm:txLinClrLst/>
+    <dgm:txFillClrLst meth="repeat">
+      <a:schemeClr val="dk1"/>
+    </dgm:txFillClrLst>
+    <dgm:txEffectClrLst/>
+  </dgm:styleLbl>
+  <dgm:styleLbl name="bgAccFollowNode1">
+    <dgm:fillClrLst meth="repeat">
+      <a:schemeClr val="accent1">
+        <a:alpha val="90000"/>
+        <a:tint val="40000"/>
+      </a:schemeClr>
+    </dgm:fillClrLst>
+    <dgm:linClrLst meth="repeat">
+      <a:schemeClr val="accent1">
+        <a:alpha val="90000"/>
+        <a:tint val="40000"/>
+      </a:schemeClr>
+    </dgm:linClrLst>
+    <dgm:effectClrLst/>
+    <dgm:txLinClrLst/>
+    <dgm:txFillClrLst meth="repeat">
+      <a:schemeClr val="dk1"/>
+    </dgm:txFillClrLst>
+    <dgm:txEffectClrLst/>
+  </dgm:styleLbl>
+  <dgm:styleLbl name="fgAcc0">
+    <dgm:fillClrLst meth="repeat">
+      <a:schemeClr val="lt1">
+        <a:alpha val="90000"/>
+      </a:schemeClr>
+    </dgm:fillClrLst>
+    <dgm:linClrLst meth="repeat">
+      <a:schemeClr val="accent1"/>
+    </dgm:linClrLst>
+    <dgm:effectClrLst/>
+    <dgm:txLinClrLst/>
+    <dgm:txFillClrLst meth="repeat">
+      <a:schemeClr val="dk1"/>
+    </dgm:txFillClrLst>
+    <dgm:txEffectClrLst/>
+  </dgm:styleLbl>
+  <dgm:styleLbl name="fgAcc2">
+    <dgm:fillClrLst meth="repeat">
+      <a:schemeClr val="lt1">
+        <a:alpha val="90000"/>
+      </a:schemeClr>
+    </dgm:fillClrLst>
+    <dgm:linClrLst meth="repeat">
+      <a:schemeClr val="accent1"/>
+    </dgm:linClrLst>
+    <dgm:effectClrLst/>
+    <dgm:txLinClrLst/>
+    <dgm:txFillClrLst meth="repeat">
+      <a:schemeClr val="dk1"/>
+    </dgm:txFillClrLst>
+    <dgm:txEffectClrLst/>
+  </dgm:styleLbl>
+  <dgm:styleLbl name="fgAcc3">
+    <dgm:fillClrLst meth="repeat">
+      <a:schemeClr val="lt1">
+        <a:alpha val="90000"/>
+      </a:schemeClr>
+    </dgm:fillClrLst>
+    <dgm:linClrLst meth="repeat">
+      <a:schemeClr val="accent1"/>
+    </dgm:linClrLst>
+    <dgm:effectClrLst/>
+    <dgm:txLinClrLst/>
+    <dgm:txFillClrLst meth="repeat">
+      <a:schemeClr val="dk1"/>
+    </dgm:txFillClrLst>
+    <dgm:txEffectClrLst/>
+  </dgm:styleLbl>
+  <dgm:styleLbl name="fgAcc4">
+    <dgm:fillClrLst meth="repeat">
+      <a:schemeClr val="lt1">
+        <a:alpha val="90000"/>
+      </a:schemeClr>
+    </dgm:fillClrLst>
+    <dgm:linClrLst meth="repeat">
+      <a:schemeClr val="accent1"/>
+    </dgm:linClrLst>
+    <dgm:effectClrLst/>
+    <dgm:txLinClrLst/>
+    <dgm:txFillClrLst meth="repeat">
+      <a:schemeClr val="dk1"/>
+    </dgm:txFillClrLst>
+    <dgm:txEffectClrLst/>
+  </dgm:styleLbl>
+  <dgm:styleLbl name="bgShp">
+    <dgm:fillClrLst meth="repeat">
+      <a:schemeClr val="accent1">
+        <a:tint val="40000"/>
+      </a:schemeClr>
+    </dgm:fillClrLst>
+    <dgm:linClrLst meth="repeat">
+      <a:schemeClr val="accent1"/>
+    </dgm:linClrLst>
+    <dgm:effectClrLst/>
+    <dgm:txLinClrLst/>
+    <dgm:txFillClrLst meth="repeat">
+      <a:schemeClr val="dk1"/>
+    </dgm:txFillClrLst>
+    <dgm:txEffectClrLst/>
+  </dgm:styleLbl>
+  <dgm:styleLbl name="dkBgShp">
+    <dgm:fillClrLst meth="repeat">
+      <a:schemeClr val="accent1">
+        <a:shade val="80000"/>
+      </a:schemeClr>
+    </dgm:fillClrLst>
+    <dgm:linClrLst meth="repeat">
+      <a:schemeClr val="accent1"/>
+    </dgm:linClrLst>
+    <dgm:effectClrLst/>
+    <dgm:txLinClrLst/>
+    <dgm:txFillClrLst meth="repeat">
+      <a:schemeClr val="lt1"/>
+    </dgm:txFillClrLst>
+    <dgm:txEffectClrLst/>
+  </dgm:styleLbl>
+  <dgm:styleLbl name="trBgShp">
+    <dgm:fillClrLst meth="repeat">
+      <a:schemeClr val="accent1">
+        <a:tint val="50000"/>
+        <a:alpha val="40000"/>
+      </a:schemeClr>
+    </dgm:fillClrLst>
+    <dgm:linClrLst meth="repeat">
+      <a:schemeClr val="accent1"/>
+    </dgm:linClrLst>
+    <dgm:effectClrLst/>
+    <dgm:txLinClrLst/>
+    <dgm:txFillClrLst meth="repeat">
+      <a:schemeClr val="lt1"/>
+    </dgm:txFillClrLst>
+    <dgm:txEffectClrLst/>
+  </dgm:styleLbl>
+  <dgm:styleLbl name="fgShp">
+    <dgm:fillClrLst meth="repeat">
+      <a:schemeClr val="accent1">
+        <a:tint val="60000"/>
+      </a:schemeClr>
+    </dgm:fillClrLst>
+    <dgm:linClrLst meth="repeat">
+      <a:schemeClr val="lt1"/>
+    </dgm:linClrLst>
+    <dgm:effectClrLst/>
+    <dgm:txLinClrLst/>
+    <dgm:txFillClrLst meth="repeat">
+      <a:schemeClr val="dk1"/>
+    </dgm:txFillClrLst>
+    <dgm:txEffectClrLst/>
+  </dgm:styleLbl>
+  <dgm:styleLbl name="revTx">
+    <dgm:fillClrLst meth="repeat">
+      <a:schemeClr val="lt1">
+        <a:alpha val="0"/>
+      </a:schemeClr>
+    </dgm:fillClrLst>
+    <dgm:linClrLst meth="repeat">
+      <a:schemeClr val="dk1">
+        <a:alpha val="0"/>
+      </a:schemeClr>
+    </dgm:linClrLst>
+    <dgm:effectClrLst/>
+    <dgm:txLinClrLst/>
+    <dgm:txFillClrLst meth="repeat">
+      <a:schemeClr val="tx1"/>
+    </dgm:txFillClrLst>
+    <dgm:txEffectClrLst/>
+  </dgm:styleLbl>
+</dgm:colorsDef>
+</file>
+
+<file path=ppt/diagrams/colors2.xml><?xml version="1.0" encoding="utf-8"?>
 <dgm:colorsDef xmlns:dgm="http://schemas.openxmlformats.org/drawingml/2006/diagram" xmlns:a="http://schemas.openxmlformats.org/drawingml/2006/main" uniqueId="urn:microsoft.com/office/officeart/2018/5/colors/Iconchunking_neutralbg_colorful1">
   <dgm:title val=""/>
   <dgm:desc val=""/>
@@ -1044,7 +1795,7 @@
 </dgm:colorsDef>
 </file>
 
-<file path=ppt/diagrams/colors2.xml><?xml version="1.0" encoding="utf-8"?>
+<file path=ppt/diagrams/colors3.xml><?xml version="1.0" encoding="utf-8"?>
 <dgm:colorsDef xmlns:dgm="http://schemas.openxmlformats.org/drawingml/2006/diagram" xmlns:a="http://schemas.openxmlformats.org/drawingml/2006/main" uniqueId="urn:microsoft.com/office/officeart/2018/5/colors/Iconchunking_neutralicon_colorful1">
   <dgm:title val=""/>
   <dgm:desc val=""/>
@@ -1965,7 +2716,7 @@
 </dgm:colorsDef>
 </file>
 
-<file path=ppt/diagrams/colors3.xml><?xml version="1.0" encoding="utf-8"?>
+<file path=ppt/diagrams/colors4.xml><?xml version="1.0" encoding="utf-8"?>
 <dgm:colorsDef xmlns:dgm="http://schemas.openxmlformats.org/drawingml/2006/diagram" xmlns:a="http://schemas.openxmlformats.org/drawingml/2006/main" uniqueId="urn:microsoft.com/office/officeart/2005/8/colors/accent0_1">
   <dgm:title val=""/>
   <dgm:desc val=""/>
@@ -2773,6 +3524,161 @@
 </file>
 
 <file path=ppt/diagrams/data1.xml><?xml version="1.0" encoding="utf-8"?>
+<dgm:dataModel xmlns:dgm="http://schemas.openxmlformats.org/drawingml/2006/diagram" xmlns:a="http://schemas.openxmlformats.org/drawingml/2006/main">
+  <dgm:ptLst>
+    <dgm:pt modelId="{33F5FFC6-87D2-4594-A0CA-D0C2B6313549}" type="doc">
+      <dgm:prSet loTypeId="urn:microsoft.com/office/officeart/2005/8/layout/cycle6" loCatId="cycle" qsTypeId="urn:microsoft.com/office/officeart/2005/8/quickstyle/simple1" qsCatId="simple" csTypeId="urn:microsoft.com/office/officeart/2005/8/colors/accent1_2" csCatId="accent1" phldr="1"/>
+      <dgm:spPr/>
+      <dgm:t>
+        <a:bodyPr/>
+        <a:lstStyle/>
+        <a:p>
+          <a:endParaRPr lang="en-US"/>
+        </a:p>
+      </dgm:t>
+    </dgm:pt>
+    <dgm:pt modelId="{4978EBE3-C106-463F-9F2B-6687614643BB}">
+      <dgm:prSet/>
+      <dgm:spPr/>
+      <dgm:t>
+        <a:bodyPr/>
+        <a:lstStyle/>
+        <a:p>
+          <a:r>
+            <a:rPr lang="fr-FR" dirty="0"/>
+            <a:t>Enormément de perte de temps </a:t>
+          </a:r>
+          <a:endParaRPr lang="en-US" dirty="0"/>
+        </a:p>
+      </dgm:t>
+    </dgm:pt>
+    <dgm:pt modelId="{A339024D-D4A4-4482-B753-2A5A04C5BDE5}" type="parTrans" cxnId="{55BE895C-0637-463D-904F-959424FA0317}">
+      <dgm:prSet/>
+      <dgm:spPr/>
+      <dgm:t>
+        <a:bodyPr/>
+        <a:lstStyle/>
+        <a:p>
+          <a:endParaRPr lang="en-US"/>
+        </a:p>
+      </dgm:t>
+    </dgm:pt>
+    <dgm:pt modelId="{F973E453-EAC4-4CCB-B83D-DF590EAF9DD6}" type="sibTrans" cxnId="{55BE895C-0637-463D-904F-959424FA0317}">
+      <dgm:prSet/>
+      <dgm:spPr/>
+      <dgm:t>
+        <a:bodyPr/>
+        <a:lstStyle/>
+        <a:p>
+          <a:endParaRPr lang="en-US"/>
+        </a:p>
+      </dgm:t>
+    </dgm:pt>
+    <dgm:pt modelId="{AF40E3E4-E80A-4FBC-8D31-4AEAFA7F6773}">
+      <dgm:prSet/>
+      <dgm:spPr/>
+      <dgm:t>
+        <a:bodyPr/>
+        <a:lstStyle/>
+        <a:p>
+          <a:r>
+            <a:rPr lang="fr-FR" dirty="0"/>
+            <a:t>Compliqué de réserver un trajet </a:t>
+          </a:r>
+          <a:endParaRPr lang="en-US" dirty="0"/>
+        </a:p>
+      </dgm:t>
+    </dgm:pt>
+    <dgm:pt modelId="{CF203883-33F3-4876-911F-1B9BB83C3407}" type="parTrans" cxnId="{D2A62836-F4AF-442B-8678-49804B3FCD43}">
+      <dgm:prSet/>
+      <dgm:spPr/>
+      <dgm:t>
+        <a:bodyPr/>
+        <a:lstStyle/>
+        <a:p>
+          <a:endParaRPr lang="en-US"/>
+        </a:p>
+      </dgm:t>
+    </dgm:pt>
+    <dgm:pt modelId="{2E2BE5C7-C54C-4157-9DF4-C68A641C8CA1}" type="sibTrans" cxnId="{D2A62836-F4AF-442B-8678-49804B3FCD43}">
+      <dgm:prSet/>
+      <dgm:spPr/>
+      <dgm:t>
+        <a:bodyPr/>
+        <a:lstStyle/>
+        <a:p>
+          <a:endParaRPr lang="en-US"/>
+        </a:p>
+      </dgm:t>
+    </dgm:pt>
+    <dgm:pt modelId="{D13DEA96-8CC3-D246-92DD-F8D9F7467198}" type="pres">
+      <dgm:prSet presAssocID="{33F5FFC6-87D2-4594-A0CA-D0C2B6313549}" presName="cycle" presStyleCnt="0">
+        <dgm:presLayoutVars>
+          <dgm:dir/>
+          <dgm:resizeHandles val="exact"/>
+        </dgm:presLayoutVars>
+      </dgm:prSet>
+      <dgm:spPr/>
+    </dgm:pt>
+    <dgm:pt modelId="{1B7C1D54-D31D-7B46-83A7-FB2452D13E2E}" type="pres">
+      <dgm:prSet presAssocID="{4978EBE3-C106-463F-9F2B-6687614643BB}" presName="node" presStyleLbl="node1" presStyleIdx="0" presStyleCnt="2">
+        <dgm:presLayoutVars>
+          <dgm:bulletEnabled val="1"/>
+        </dgm:presLayoutVars>
+      </dgm:prSet>
+      <dgm:spPr/>
+    </dgm:pt>
+    <dgm:pt modelId="{13AE1BDD-6EF0-2143-A8BB-74A093AFC217}" type="pres">
+      <dgm:prSet presAssocID="{4978EBE3-C106-463F-9F2B-6687614643BB}" presName="spNode" presStyleCnt="0"/>
+      <dgm:spPr/>
+    </dgm:pt>
+    <dgm:pt modelId="{895630DC-1359-7843-9182-A85824F9B6A7}" type="pres">
+      <dgm:prSet presAssocID="{F973E453-EAC4-4CCB-B83D-DF590EAF9DD6}" presName="sibTrans" presStyleLbl="sibTrans1D1" presStyleIdx="0" presStyleCnt="2"/>
+      <dgm:spPr/>
+    </dgm:pt>
+    <dgm:pt modelId="{75A37D1B-B7A4-D540-B26F-E21255698332}" type="pres">
+      <dgm:prSet presAssocID="{AF40E3E4-E80A-4FBC-8D31-4AEAFA7F6773}" presName="node" presStyleLbl="node1" presStyleIdx="1" presStyleCnt="2">
+        <dgm:presLayoutVars>
+          <dgm:bulletEnabled val="1"/>
+        </dgm:presLayoutVars>
+      </dgm:prSet>
+      <dgm:spPr/>
+    </dgm:pt>
+    <dgm:pt modelId="{FA76D5C2-98B6-3946-B6AA-BB5FB45E7016}" type="pres">
+      <dgm:prSet presAssocID="{AF40E3E4-E80A-4FBC-8D31-4AEAFA7F6773}" presName="spNode" presStyleCnt="0"/>
+      <dgm:spPr/>
+    </dgm:pt>
+    <dgm:pt modelId="{6589265E-FF30-4349-9346-2F1FC5CCCB29}" type="pres">
+      <dgm:prSet presAssocID="{2E2BE5C7-C54C-4157-9DF4-C68A641C8CA1}" presName="sibTrans" presStyleLbl="sibTrans1D1" presStyleIdx="1" presStyleCnt="2"/>
+      <dgm:spPr/>
+    </dgm:pt>
+  </dgm:ptLst>
+  <dgm:cxnLst>
+    <dgm:cxn modelId="{0DC48C06-D2AA-AA45-9DB2-7DE889DAAC40}" type="presOf" srcId="{AF40E3E4-E80A-4FBC-8D31-4AEAFA7F6773}" destId="{75A37D1B-B7A4-D540-B26F-E21255698332}" srcOrd="0" destOrd="0" presId="urn:microsoft.com/office/officeart/2005/8/layout/cycle6"/>
+    <dgm:cxn modelId="{D2A62836-F4AF-442B-8678-49804B3FCD43}" srcId="{33F5FFC6-87D2-4594-A0CA-D0C2B6313549}" destId="{AF40E3E4-E80A-4FBC-8D31-4AEAFA7F6773}" srcOrd="1" destOrd="0" parTransId="{CF203883-33F3-4876-911F-1B9BB83C3407}" sibTransId="{2E2BE5C7-C54C-4157-9DF4-C68A641C8CA1}"/>
+    <dgm:cxn modelId="{55BE895C-0637-463D-904F-959424FA0317}" srcId="{33F5FFC6-87D2-4594-A0CA-D0C2B6313549}" destId="{4978EBE3-C106-463F-9F2B-6687614643BB}" srcOrd="0" destOrd="0" parTransId="{A339024D-D4A4-4482-B753-2A5A04C5BDE5}" sibTransId="{F973E453-EAC4-4CCB-B83D-DF590EAF9DD6}"/>
+    <dgm:cxn modelId="{2D7C7276-319F-BF41-9B85-0EA51646C580}" type="presOf" srcId="{33F5FFC6-87D2-4594-A0CA-D0C2B6313549}" destId="{D13DEA96-8CC3-D246-92DD-F8D9F7467198}" srcOrd="0" destOrd="0" presId="urn:microsoft.com/office/officeart/2005/8/layout/cycle6"/>
+    <dgm:cxn modelId="{A3C1537B-1230-C745-BD24-B6431171E0DB}" type="presOf" srcId="{2E2BE5C7-C54C-4157-9DF4-C68A641C8CA1}" destId="{6589265E-FF30-4349-9346-2F1FC5CCCB29}" srcOrd="0" destOrd="0" presId="urn:microsoft.com/office/officeart/2005/8/layout/cycle6"/>
+    <dgm:cxn modelId="{7BDD1787-69AA-7145-8814-6FF7835CBA04}" type="presOf" srcId="{4978EBE3-C106-463F-9F2B-6687614643BB}" destId="{1B7C1D54-D31D-7B46-83A7-FB2452D13E2E}" srcOrd="0" destOrd="0" presId="urn:microsoft.com/office/officeart/2005/8/layout/cycle6"/>
+    <dgm:cxn modelId="{F1F97194-3885-0941-AD92-D203A0F14031}" type="presOf" srcId="{F973E453-EAC4-4CCB-B83D-DF590EAF9DD6}" destId="{895630DC-1359-7843-9182-A85824F9B6A7}" srcOrd="0" destOrd="0" presId="urn:microsoft.com/office/officeart/2005/8/layout/cycle6"/>
+    <dgm:cxn modelId="{F8F0ED86-6E05-5249-BA06-532B2B44C280}" type="presParOf" srcId="{D13DEA96-8CC3-D246-92DD-F8D9F7467198}" destId="{1B7C1D54-D31D-7B46-83A7-FB2452D13E2E}" srcOrd="0" destOrd="0" presId="urn:microsoft.com/office/officeart/2005/8/layout/cycle6"/>
+    <dgm:cxn modelId="{75983C80-2868-DE40-9805-EBFA71866F29}" type="presParOf" srcId="{D13DEA96-8CC3-D246-92DD-F8D9F7467198}" destId="{13AE1BDD-6EF0-2143-A8BB-74A093AFC217}" srcOrd="1" destOrd="0" presId="urn:microsoft.com/office/officeart/2005/8/layout/cycle6"/>
+    <dgm:cxn modelId="{0795282F-3610-8048-B38F-ED2E27FBBD22}" type="presParOf" srcId="{D13DEA96-8CC3-D246-92DD-F8D9F7467198}" destId="{895630DC-1359-7843-9182-A85824F9B6A7}" srcOrd="2" destOrd="0" presId="urn:microsoft.com/office/officeart/2005/8/layout/cycle6"/>
+    <dgm:cxn modelId="{D41DEC7A-521C-864F-AE33-7B66DCEEB0F0}" type="presParOf" srcId="{D13DEA96-8CC3-D246-92DD-F8D9F7467198}" destId="{75A37D1B-B7A4-D540-B26F-E21255698332}" srcOrd="3" destOrd="0" presId="urn:microsoft.com/office/officeart/2005/8/layout/cycle6"/>
+    <dgm:cxn modelId="{F310416D-A24F-DC43-830B-D22A47C871EC}" type="presParOf" srcId="{D13DEA96-8CC3-D246-92DD-F8D9F7467198}" destId="{FA76D5C2-98B6-3946-B6AA-BB5FB45E7016}" srcOrd="4" destOrd="0" presId="urn:microsoft.com/office/officeart/2005/8/layout/cycle6"/>
+    <dgm:cxn modelId="{72623BAC-739D-B049-A748-91BDD976F0BB}" type="presParOf" srcId="{D13DEA96-8CC3-D246-92DD-F8D9F7467198}" destId="{6589265E-FF30-4349-9346-2F1FC5CCCB29}" srcOrd="5" destOrd="0" presId="urn:microsoft.com/office/officeart/2005/8/layout/cycle6"/>
+  </dgm:cxnLst>
+  <dgm:bg/>
+  <dgm:whole/>
+  <dgm:extLst>
+    <a:ext uri="http://schemas.microsoft.com/office/drawing/2008/diagram">
+      <dsp:dataModelExt xmlns:dsp="http://schemas.microsoft.com/office/drawing/2008/diagram" relId="rId6" minVer="http://schemas.openxmlformats.org/drawingml/2006/diagram"/>
+    </a:ext>
+  </dgm:extLst>
+</dgm:dataModel>
+</file>
+
+<file path=ppt/diagrams/data2.xml><?xml version="1.0" encoding="utf-8"?>
 <dgm:dataModel xmlns:dgm="http://schemas.openxmlformats.org/drawingml/2006/diagram" xmlns:a="http://schemas.openxmlformats.org/drawingml/2006/main">
   <dgm:ptLst>
     <dgm:pt modelId="{D3430189-578A-4832-A651-A95B6BA43F61}" type="doc">
@@ -3084,7 +3990,7 @@
 </dgm:dataModel>
 </file>
 
-<file path=ppt/diagrams/data2.xml><?xml version="1.0" encoding="utf-8"?>
+<file path=ppt/diagrams/data3.xml><?xml version="1.0" encoding="utf-8"?>
 <dgm:dataModel xmlns:dgm="http://schemas.openxmlformats.org/drawingml/2006/diagram" xmlns:a="http://schemas.openxmlformats.org/drawingml/2006/main">
   <dgm:ptLst>
     <dgm:pt modelId="{2481329F-70A2-4A24-89E2-4BA35D66A6B7}" type="doc">
@@ -3408,7 +4314,7 @@
 </dgm:dataModel>
 </file>
 
-<file path=ppt/diagrams/data3.xml><?xml version="1.0" encoding="utf-8"?>
+<file path=ppt/diagrams/data4.xml><?xml version="1.0" encoding="utf-8"?>
 <dgm:dataModel xmlns:dgm="http://schemas.openxmlformats.org/drawingml/2006/diagram" xmlns:a="http://schemas.openxmlformats.org/drawingml/2006/main">
   <dgm:ptLst>
     <dgm:pt modelId="{8DB02163-E9B1-4C6F-9F7B-3B3ED9C70704}" type="doc">
@@ -3823,6 +4729,282 @@
 </file>
 
 <file path=ppt/diagrams/drawing1.xml><?xml version="1.0" encoding="utf-8"?>
+<dsp:drawing xmlns:dgm="http://schemas.openxmlformats.org/drawingml/2006/diagram" xmlns:dsp="http://schemas.microsoft.com/office/drawing/2008/diagram" xmlns:a="http://schemas.openxmlformats.org/drawingml/2006/main">
+  <dsp:spTree>
+    <dsp:nvGrpSpPr>
+      <dsp:cNvPr id="0" name=""/>
+      <dsp:cNvGrpSpPr/>
+    </dsp:nvGrpSpPr>
+    <dsp:grpSpPr/>
+    <dsp:sp modelId="{1B7C1D54-D31D-7B46-83A7-FB2452D13E2E}">
+      <dsp:nvSpPr>
+        <dsp:cNvPr id="0" name=""/>
+        <dsp:cNvSpPr/>
+      </dsp:nvSpPr>
+      <dsp:spPr>
+        <a:xfrm>
+          <a:off x="685" y="1045896"/>
+          <a:ext cx="2450452" cy="1592794"/>
+        </a:xfrm>
+        <a:prstGeom prst="roundRect">
+          <a:avLst/>
+        </a:prstGeom>
+        <a:solidFill>
+          <a:schemeClr val="accent1">
+            <a:hueOff val="0"/>
+            <a:satOff val="0"/>
+            <a:lumOff val="0"/>
+            <a:alphaOff val="0"/>
+          </a:schemeClr>
+        </a:solidFill>
+        <a:ln w="19050" cap="flat" cmpd="sng" algn="ctr">
+          <a:solidFill>
+            <a:schemeClr val="lt1">
+              <a:hueOff val="0"/>
+              <a:satOff val="0"/>
+              <a:lumOff val="0"/>
+              <a:alphaOff val="0"/>
+            </a:schemeClr>
+          </a:solidFill>
+          <a:prstDash val="solid"/>
+          <a:miter lim="800000"/>
+        </a:ln>
+        <a:effectLst/>
+      </dsp:spPr>
+      <dsp:style>
+        <a:lnRef idx="2">
+          <a:scrgbClr r="0" g="0" b="0"/>
+        </a:lnRef>
+        <a:fillRef idx="1">
+          <a:scrgbClr r="0" g="0" b="0"/>
+        </a:fillRef>
+        <a:effectRef idx="0">
+          <a:scrgbClr r="0" g="0" b="0"/>
+        </a:effectRef>
+        <a:fontRef idx="minor">
+          <a:schemeClr val="lt1"/>
+        </a:fontRef>
+      </dsp:style>
+      <dsp:txBody>
+        <a:bodyPr spcFirstLastPara="0" vert="horz" wrap="square" lIns="106680" tIns="106680" rIns="106680" bIns="106680" numCol="1" spcCol="1270" anchor="ctr" anchorCtr="0">
+          <a:noAutofit/>
+        </a:bodyPr>
+        <a:lstStyle/>
+        <a:p>
+          <a:pPr marL="0" lvl="0" indent="0" algn="ctr" defTabSz="1244600">
+            <a:lnSpc>
+              <a:spcPct val="90000"/>
+            </a:lnSpc>
+            <a:spcBef>
+              <a:spcPct val="0"/>
+            </a:spcBef>
+            <a:spcAft>
+              <a:spcPct val="35000"/>
+            </a:spcAft>
+            <a:buNone/>
+          </a:pPr>
+          <a:r>
+            <a:rPr lang="fr-FR" sz="2800" kern="1200" dirty="0"/>
+            <a:t>Enormément de perte de temps </a:t>
+          </a:r>
+          <a:endParaRPr lang="en-US" sz="2800" kern="1200" dirty="0"/>
+        </a:p>
+      </dsp:txBody>
+      <dsp:txXfrm>
+        <a:off x="78439" y="1123650"/>
+        <a:ext cx="2294944" cy="1437286"/>
+      </dsp:txXfrm>
+    </dsp:sp>
+    <dsp:sp modelId="{895630DC-1359-7843-9182-A85824F9B6A7}">
+      <dsp:nvSpPr>
+        <dsp:cNvPr id="0" name=""/>
+        <dsp:cNvSpPr/>
+      </dsp:nvSpPr>
+      <dsp:spPr>
+        <a:xfrm>
+          <a:off x="1225912" y="489312"/>
+          <a:ext cx="2705962" cy="2705962"/>
+        </a:xfrm>
+        <a:custGeom>
+          <a:avLst/>
+          <a:gdLst/>
+          <a:ahLst/>
+          <a:cxnLst/>
+          <a:rect l="0" t="0" r="0" b="0"/>
+          <a:pathLst>
+            <a:path>
+              <a:moveTo>
+                <a:pt x="272240" y="539005"/>
+              </a:moveTo>
+              <a:arcTo wR="1352981" hR="1352981" stAng="13019147" swAng="6361707"/>
+            </a:path>
+          </a:pathLst>
+        </a:custGeom>
+        <a:noFill/>
+        <a:ln w="12700" cap="flat" cmpd="sng" algn="ctr">
+          <a:solidFill>
+            <a:schemeClr val="accent1">
+              <a:hueOff val="0"/>
+              <a:satOff val="0"/>
+              <a:lumOff val="0"/>
+              <a:alphaOff val="0"/>
+            </a:schemeClr>
+          </a:solidFill>
+          <a:prstDash val="solid"/>
+          <a:miter lim="800000"/>
+        </a:ln>
+        <a:effectLst/>
+      </dsp:spPr>
+      <dsp:style>
+        <a:lnRef idx="1">
+          <a:scrgbClr r="0" g="0" b="0"/>
+        </a:lnRef>
+        <a:fillRef idx="0">
+          <a:scrgbClr r="0" g="0" b="0"/>
+        </a:fillRef>
+        <a:effectRef idx="0">
+          <a:scrgbClr r="0" g="0" b="0"/>
+        </a:effectRef>
+        <a:fontRef idx="minor"/>
+      </dsp:style>
+    </dsp:sp>
+    <dsp:sp modelId="{75A37D1B-B7A4-D540-B26F-E21255698332}">
+      <dsp:nvSpPr>
+        <dsp:cNvPr id="0" name=""/>
+        <dsp:cNvSpPr/>
+      </dsp:nvSpPr>
+      <dsp:spPr>
+        <a:xfrm>
+          <a:off x="2706648" y="1045896"/>
+          <a:ext cx="2450452" cy="1592794"/>
+        </a:xfrm>
+        <a:prstGeom prst="roundRect">
+          <a:avLst/>
+        </a:prstGeom>
+        <a:solidFill>
+          <a:schemeClr val="accent1">
+            <a:hueOff val="0"/>
+            <a:satOff val="0"/>
+            <a:lumOff val="0"/>
+            <a:alphaOff val="0"/>
+          </a:schemeClr>
+        </a:solidFill>
+        <a:ln w="19050" cap="flat" cmpd="sng" algn="ctr">
+          <a:solidFill>
+            <a:schemeClr val="lt1">
+              <a:hueOff val="0"/>
+              <a:satOff val="0"/>
+              <a:lumOff val="0"/>
+              <a:alphaOff val="0"/>
+            </a:schemeClr>
+          </a:solidFill>
+          <a:prstDash val="solid"/>
+          <a:miter lim="800000"/>
+        </a:ln>
+        <a:effectLst/>
+      </dsp:spPr>
+      <dsp:style>
+        <a:lnRef idx="2">
+          <a:scrgbClr r="0" g="0" b="0"/>
+        </a:lnRef>
+        <a:fillRef idx="1">
+          <a:scrgbClr r="0" g="0" b="0"/>
+        </a:fillRef>
+        <a:effectRef idx="0">
+          <a:scrgbClr r="0" g="0" b="0"/>
+        </a:effectRef>
+        <a:fontRef idx="minor">
+          <a:schemeClr val="lt1"/>
+        </a:fontRef>
+      </dsp:style>
+      <dsp:txBody>
+        <a:bodyPr spcFirstLastPara="0" vert="horz" wrap="square" lIns="106680" tIns="106680" rIns="106680" bIns="106680" numCol="1" spcCol="1270" anchor="ctr" anchorCtr="0">
+          <a:noAutofit/>
+        </a:bodyPr>
+        <a:lstStyle/>
+        <a:p>
+          <a:pPr marL="0" lvl="0" indent="0" algn="ctr" defTabSz="1244600">
+            <a:lnSpc>
+              <a:spcPct val="90000"/>
+            </a:lnSpc>
+            <a:spcBef>
+              <a:spcPct val="0"/>
+            </a:spcBef>
+            <a:spcAft>
+              <a:spcPct val="35000"/>
+            </a:spcAft>
+            <a:buNone/>
+          </a:pPr>
+          <a:r>
+            <a:rPr lang="fr-FR" sz="2800" kern="1200" dirty="0"/>
+            <a:t>Compliqué de réserver un trajet </a:t>
+          </a:r>
+          <a:endParaRPr lang="en-US" sz="2800" kern="1200" dirty="0"/>
+        </a:p>
+      </dsp:txBody>
+      <dsp:txXfrm>
+        <a:off x="2784402" y="1123650"/>
+        <a:ext cx="2294944" cy="1437286"/>
+      </dsp:txXfrm>
+    </dsp:sp>
+    <dsp:sp modelId="{6589265E-FF30-4349-9346-2F1FC5CCCB29}">
+      <dsp:nvSpPr>
+        <dsp:cNvPr id="0" name=""/>
+        <dsp:cNvSpPr/>
+      </dsp:nvSpPr>
+      <dsp:spPr>
+        <a:xfrm>
+          <a:off x="1225912" y="489312"/>
+          <a:ext cx="2705962" cy="2705962"/>
+        </a:xfrm>
+        <a:custGeom>
+          <a:avLst/>
+          <a:gdLst/>
+          <a:ahLst/>
+          <a:cxnLst/>
+          <a:rect l="0" t="0" r="0" b="0"/>
+          <a:pathLst>
+            <a:path>
+              <a:moveTo>
+                <a:pt x="2433722" y="2166957"/>
+              </a:moveTo>
+              <a:arcTo wR="1352981" hR="1352981" stAng="2219147" swAng="6361707"/>
+            </a:path>
+          </a:pathLst>
+        </a:custGeom>
+        <a:noFill/>
+        <a:ln w="12700" cap="flat" cmpd="sng" algn="ctr">
+          <a:solidFill>
+            <a:schemeClr val="accent1">
+              <a:hueOff val="0"/>
+              <a:satOff val="0"/>
+              <a:lumOff val="0"/>
+              <a:alphaOff val="0"/>
+            </a:schemeClr>
+          </a:solidFill>
+          <a:prstDash val="solid"/>
+          <a:miter lim="800000"/>
+        </a:ln>
+        <a:effectLst/>
+      </dsp:spPr>
+      <dsp:style>
+        <a:lnRef idx="1">
+          <a:scrgbClr r="0" g="0" b="0"/>
+        </a:lnRef>
+        <a:fillRef idx="0">
+          <a:scrgbClr r="0" g="0" b="0"/>
+        </a:fillRef>
+        <a:effectRef idx="0">
+          <a:scrgbClr r="0" g="0" b="0"/>
+        </a:effectRef>
+        <a:fontRef idx="minor"/>
+      </dsp:style>
+    </dsp:sp>
+  </dsp:spTree>
+</dsp:drawing>
+</file>
+
+<file path=ppt/diagrams/drawing2.xml><?xml version="1.0" encoding="utf-8"?>
 <dsp:drawing xmlns:dgm="http://schemas.openxmlformats.org/drawingml/2006/diagram" xmlns:dsp="http://schemas.microsoft.com/office/drawing/2008/diagram" xmlns:a="http://schemas.openxmlformats.org/drawingml/2006/main">
   <dsp:spTree>
     <dsp:nvGrpSpPr>
@@ -4281,7 +5463,7 @@
 </dsp:drawing>
 </file>
 
-<file path=ppt/diagrams/drawing2.xml><?xml version="1.0" encoding="utf-8"?>
+<file path=ppt/diagrams/drawing3.xml><?xml version="1.0" encoding="utf-8"?>
 <dsp:drawing xmlns:dgm="http://schemas.openxmlformats.org/drawingml/2006/diagram" xmlns:dsp="http://schemas.microsoft.com/office/drawing/2008/diagram" xmlns:a="http://schemas.openxmlformats.org/drawingml/2006/main">
   <dsp:spTree>
     <dsp:nvGrpSpPr>
@@ -4731,7 +5913,7 @@
 </dsp:drawing>
 </file>
 
-<file path=ppt/diagrams/drawing3.xml><?xml version="1.0" encoding="utf-8"?>
+<file path=ppt/diagrams/drawing4.xml><?xml version="1.0" encoding="utf-8"?>
 <dsp:drawing xmlns:dgm="http://schemas.openxmlformats.org/drawingml/2006/diagram" xmlns:dsp="http://schemas.microsoft.com/office/drawing/2008/diagram" xmlns:a="http://schemas.openxmlformats.org/drawingml/2006/main">
   <dsp:spTree>
     <dsp:nvGrpSpPr>
@@ -5390,6 +6572,215 @@
 </file>
 
 <file path=ppt/diagrams/layout1.xml><?xml version="1.0" encoding="utf-8"?>
+<dgm:layoutDef xmlns:dgm="http://schemas.openxmlformats.org/drawingml/2006/diagram" xmlns:a="http://schemas.openxmlformats.org/drawingml/2006/main" uniqueId="urn:microsoft.com/office/officeart/2005/8/layout/cycle6">
+  <dgm:title val=""/>
+  <dgm:desc val=""/>
+  <dgm:catLst>
+    <dgm:cat type="cycle" pri="4000"/>
+    <dgm:cat type="relationship" pri="24000"/>
+  </dgm:catLst>
+  <dgm:sampData>
+    <dgm:dataModel>
+      <dgm:ptLst>
+        <dgm:pt modelId="0" type="doc"/>
+        <dgm:pt modelId="1">
+          <dgm:prSet phldr="1"/>
+        </dgm:pt>
+        <dgm:pt modelId="2">
+          <dgm:prSet phldr="1"/>
+        </dgm:pt>
+        <dgm:pt modelId="3">
+          <dgm:prSet phldr="1"/>
+        </dgm:pt>
+        <dgm:pt modelId="4">
+          <dgm:prSet phldr="1"/>
+        </dgm:pt>
+        <dgm:pt modelId="5">
+          <dgm:prSet phldr="1"/>
+        </dgm:pt>
+      </dgm:ptLst>
+      <dgm:cxnLst>
+        <dgm:cxn modelId="6" srcId="0" destId="1" srcOrd="0" destOrd="0"/>
+        <dgm:cxn modelId="7" srcId="0" destId="2" srcOrd="1" destOrd="0"/>
+        <dgm:cxn modelId="8" srcId="0" destId="3" srcOrd="2" destOrd="0"/>
+        <dgm:cxn modelId="9" srcId="0" destId="4" srcOrd="3" destOrd="0"/>
+        <dgm:cxn modelId="10" srcId="0" destId="5" srcOrd="4" destOrd="0"/>
+      </dgm:cxnLst>
+      <dgm:bg/>
+      <dgm:whole/>
+    </dgm:dataModel>
+  </dgm:sampData>
+  <dgm:styleData>
+    <dgm:dataModel>
+      <dgm:ptLst>
+        <dgm:pt modelId="0" type="doc"/>
+        <dgm:pt modelId="1"/>
+        <dgm:pt modelId="2"/>
+        <dgm:pt modelId="3"/>
+      </dgm:ptLst>
+      <dgm:cxnLst>
+        <dgm:cxn modelId="4" srcId="0" destId="1" srcOrd="0" destOrd="0"/>
+        <dgm:cxn modelId="5" srcId="0" destId="2" srcOrd="1" destOrd="0"/>
+        <dgm:cxn modelId="6" srcId="0" destId="3" srcOrd="2" destOrd="0"/>
+      </dgm:cxnLst>
+      <dgm:bg/>
+      <dgm:whole/>
+    </dgm:dataModel>
+  </dgm:styleData>
+  <dgm:clrData>
+    <dgm:dataModel>
+      <dgm:ptLst>
+        <dgm:pt modelId="0" type="doc"/>
+        <dgm:pt modelId="1"/>
+        <dgm:pt modelId="2"/>
+        <dgm:pt modelId="3"/>
+        <dgm:pt modelId="4"/>
+        <dgm:pt modelId="5"/>
+        <dgm:pt modelId="6"/>
+      </dgm:ptLst>
+      <dgm:cxnLst>
+        <dgm:cxn modelId="7" srcId="0" destId="1" srcOrd="0" destOrd="0"/>
+        <dgm:cxn modelId="8" srcId="0" destId="2" srcOrd="1" destOrd="0"/>
+        <dgm:cxn modelId="9" srcId="0" destId="3" srcOrd="2" destOrd="0"/>
+        <dgm:cxn modelId="10" srcId="0" destId="4" srcOrd="3" destOrd="0"/>
+        <dgm:cxn modelId="11" srcId="0" destId="5" srcOrd="4" destOrd="0"/>
+        <dgm:cxn modelId="12" srcId="0" destId="6" srcOrd="5" destOrd="0"/>
+      </dgm:cxnLst>
+      <dgm:bg/>
+      <dgm:whole/>
+    </dgm:dataModel>
+  </dgm:clrData>
+  <dgm:layoutNode name="cycle">
+    <dgm:varLst>
+      <dgm:dir/>
+      <dgm:resizeHandles val="exact"/>
+    </dgm:varLst>
+    <dgm:choose name="Name0">
+      <dgm:if name="Name1" func="var" arg="dir" op="equ" val="norm">
+        <dgm:choose name="Name2">
+          <dgm:if name="Name3" axis="ch" ptType="node" func="cnt" op="gt" val="2">
+            <dgm:alg type="cycle">
+              <dgm:param type="stAng" val="0"/>
+              <dgm:param type="spanAng" val="360"/>
+            </dgm:alg>
+          </dgm:if>
+          <dgm:else name="Name4">
+            <dgm:alg type="cycle">
+              <dgm:param type="stAng" val="-90"/>
+              <dgm:param type="spanAng" val="360"/>
+            </dgm:alg>
+          </dgm:else>
+        </dgm:choose>
+      </dgm:if>
+      <dgm:else name="Name5">
+        <dgm:choose name="Name6">
+          <dgm:if name="Name7" axis="ch" ptType="node" func="cnt" op="gt" val="2">
+            <dgm:alg type="cycle">
+              <dgm:param type="stAng" val="0"/>
+              <dgm:param type="spanAng" val="-360"/>
+            </dgm:alg>
+          </dgm:if>
+          <dgm:else name="Name8">
+            <dgm:alg type="cycle">
+              <dgm:param type="stAng" val="90"/>
+              <dgm:param type="spanAng" val="-360"/>
+            </dgm:alg>
+          </dgm:else>
+        </dgm:choose>
+      </dgm:else>
+    </dgm:choose>
+    <dgm:shape xmlns:r="http://schemas.openxmlformats.org/officeDocument/2006/relationships" r:blip="">
+      <dgm:adjLst/>
+    </dgm:shape>
+    <dgm:presOf/>
+    <dgm:choose name="Name9">
+      <dgm:if name="Name10" func="var" arg="dir" op="equ" val="norm">
+        <dgm:constrLst>
+          <dgm:constr type="w" for="ch" forName="node" refType="w"/>
+          <dgm:constr type="w" for="ch" ptType="sibTrans" refType="w" refFor="ch" refForName="node" op="equ" fact="0.3"/>
+          <dgm:constr type="diam" for="ch" ptType="sibTrans" refType="diam" op="equ"/>
+          <dgm:constr type="sibSp" refType="w" refFor="ch" refForName="node" op="equ" fact="0.15"/>
+          <dgm:constr type="w" for="ch" forName="spNode" refType="sibSp" fact="1.6"/>
+          <dgm:constr type="primFontSz" for="ch" forName="node" op="equ" val="65"/>
+        </dgm:constrLst>
+      </dgm:if>
+      <dgm:else name="Name11">
+        <dgm:constrLst>
+          <dgm:constr type="w" for="ch" forName="node" refType="w"/>
+          <dgm:constr type="w" for="ch" ptType="sibTrans" refType="w" refFor="ch" refForName="node" op="equ" fact="0.3"/>
+          <dgm:constr type="diam" for="ch" ptType="sibTrans" refType="diam" op="equ" fact="-1"/>
+          <dgm:constr type="sibSp" refType="w" refFor="ch" refForName="node" op="equ" fact="0.15"/>
+          <dgm:constr type="w" for="ch" forName="spNode" refType="sibSp" fact="1.6"/>
+          <dgm:constr type="primFontSz" for="ch" forName="node" op="equ" val="65"/>
+        </dgm:constrLst>
+      </dgm:else>
+    </dgm:choose>
+    <dgm:ruleLst/>
+    <dgm:forEach name="Name12" axis="ch" ptType="node">
+      <dgm:layoutNode name="node">
+        <dgm:varLst>
+          <dgm:bulletEnabled val="1"/>
+        </dgm:varLst>
+        <dgm:alg type="tx"/>
+        <dgm:shape xmlns:r="http://schemas.openxmlformats.org/officeDocument/2006/relationships" type="roundRect" r:blip="">
+          <dgm:adjLst/>
+        </dgm:shape>
+        <dgm:presOf axis="desOrSelf" ptType="node"/>
+        <dgm:constrLst>
+          <dgm:constr type="h" refType="w" fact="0.65"/>
+          <dgm:constr type="tMarg" refType="primFontSz" fact="0.3"/>
+          <dgm:constr type="bMarg" refType="primFontSz" fact="0.3"/>
+          <dgm:constr type="lMarg" refType="primFontSz" fact="0.3"/>
+          <dgm:constr type="rMarg" refType="primFontSz" fact="0.3"/>
+        </dgm:constrLst>
+        <dgm:ruleLst>
+          <dgm:rule type="primFontSz" val="5" fact="NaN" max="NaN"/>
+        </dgm:ruleLst>
+      </dgm:layoutNode>
+      <dgm:choose name="Name13">
+        <dgm:if name="Name14" axis="par ch" ptType="doc node" func="cnt" op="gt" val="1">
+          <dgm:layoutNode name="spNode">
+            <dgm:alg type="sp"/>
+            <dgm:shape xmlns:r="http://schemas.openxmlformats.org/officeDocument/2006/relationships" r:blip="">
+              <dgm:adjLst/>
+            </dgm:shape>
+            <dgm:presOf/>
+            <dgm:constrLst>
+              <dgm:constr type="h" refType="w"/>
+            </dgm:constrLst>
+            <dgm:ruleLst/>
+          </dgm:layoutNode>
+          <dgm:forEach name="Name15" axis="followSib" ptType="sibTrans" hideLastTrans="0" cnt="1">
+            <dgm:layoutNode name="sibTrans">
+              <dgm:alg type="conn">
+                <dgm:param type="dim" val="1D"/>
+                <dgm:param type="connRout" val="curve"/>
+                <dgm:param type="begPts" val="radial"/>
+                <dgm:param type="endPts" val="radial"/>
+                <dgm:param type="endSty" val="noArr"/>
+              </dgm:alg>
+              <dgm:shape xmlns:r="http://schemas.openxmlformats.org/officeDocument/2006/relationships" type="conn" r:blip="">
+                <dgm:adjLst/>
+              </dgm:shape>
+              <dgm:presOf axis="self"/>
+              <dgm:constrLst>
+                <dgm:constr type="h" refType="w" fact="0.65"/>
+                <dgm:constr type="connDist"/>
+                <dgm:constr type="begPad" refType="connDist" fact="0.01"/>
+                <dgm:constr type="endPad" refType="connDist" fact="0.01"/>
+              </dgm:constrLst>
+              <dgm:ruleLst/>
+            </dgm:layoutNode>
+          </dgm:forEach>
+        </dgm:if>
+        <dgm:else name="Name16"/>
+      </dgm:choose>
+    </dgm:forEach>
+  </dgm:layoutNode>
+</dgm:layoutDef>
+</file>
+
+<file path=ppt/diagrams/layout2.xml><?xml version="1.0" encoding="utf-8"?>
 <dgm:layoutDef xmlns:dgm="http://schemas.openxmlformats.org/drawingml/2006/diagram" xmlns:a="http://schemas.openxmlformats.org/drawingml/2006/main" uniqueId="urn:microsoft.com/office/officeart/2018/2/layout/IconVerticalSolidList">
   <dgm:title val="Icon Vertical Solid List"/>
   <dgm:desc val="Use to show a series of visuals from top to bottom with Level 1 or Level 1 and Level 2 text grouped in a shape. Works best with icons or small pictures with lengthier descriptions."/>
@@ -5683,7 +7074,7 @@
 </dgm:layoutDef>
 </file>
 
-<file path=ppt/diagrams/layout2.xml><?xml version="1.0" encoding="utf-8"?>
+<file path=ppt/diagrams/layout3.xml><?xml version="1.0" encoding="utf-8"?>
 <dgm:layoutDef xmlns:dgm="http://schemas.openxmlformats.org/drawingml/2006/diagram" xmlns:a="http://schemas.openxmlformats.org/drawingml/2006/main" uniqueId="urn:microsoft.com/office/officeart/2018/2/layout/IconCircleList">
   <dgm:title val="Icon Circle List"/>
   <dgm:desc val="Use to show non-sequential or grouped chunks of information accompanied by related visuals. Circular shapes can hold an icon or small picture and corresponding text box shows Level 1 text. Works best for icons or small pictures with medium-length descriptions."/>
@@ -5895,7 +7286,7 @@
 </dgm:layoutDef>
 </file>
 
-<file path=ppt/diagrams/layout3.xml><?xml version="1.0" encoding="utf-8"?>
+<file path=ppt/diagrams/layout4.xml><?xml version="1.0" encoding="utf-8"?>
 <dgm:layoutDef xmlns:dgm="http://schemas.openxmlformats.org/drawingml/2006/diagram" xmlns:a="http://schemas.openxmlformats.org/drawingml/2006/main" uniqueId="urn:microsoft.com/office/officeart/2018/2/layout/IconVerticalSolidList">
   <dgm:title val="Icon Vertical Solid List"/>
   <dgm:desc val="Use to show a series of visuals from top to bottom with Level 1 or Level 1 and Level 2 text grouped in a shape. Works best with icons or small pictures with lengthier descriptions."/>
@@ -9291,6 +10682,1040 @@
 </dgm:styleDef>
 </file>
 
+<file path=ppt/diagrams/quickStyle4.xml><?xml version="1.0" encoding="utf-8"?>
+<dgm:styleDef xmlns:dgm="http://schemas.openxmlformats.org/drawingml/2006/diagram" xmlns:a="http://schemas.openxmlformats.org/drawingml/2006/main" uniqueId="urn:microsoft.com/office/officeart/2005/8/quickstyle/simple1">
+  <dgm:title val=""/>
+  <dgm:desc val=""/>
+  <dgm:catLst>
+    <dgm:cat type="simple" pri="10100"/>
+  </dgm:catLst>
+  <dgm:scene3d>
+    <a:camera prst="orthographicFront"/>
+    <a:lightRig rig="threePt" dir="t"/>
+  </dgm:scene3d>
+  <dgm:styleLbl name="node0">
+    <dgm:scene3d>
+      <a:camera prst="orthographicFront"/>
+      <a:lightRig rig="threePt" dir="t"/>
+    </dgm:scene3d>
+    <dgm:sp3d/>
+    <dgm:txPr/>
+    <dgm:style>
+      <a:lnRef idx="2">
+        <a:scrgbClr r="0" g="0" b="0"/>
+      </a:lnRef>
+      <a:fillRef idx="1">
+        <a:scrgbClr r="0" g="0" b="0"/>
+      </a:fillRef>
+      <a:effectRef idx="0">
+        <a:scrgbClr r="0" g="0" b="0"/>
+      </a:effectRef>
+      <a:fontRef idx="minor">
+        <a:schemeClr val="lt1"/>
+      </a:fontRef>
+    </dgm:style>
+  </dgm:styleLbl>
+  <dgm:styleLbl name="lnNode1">
+    <dgm:scene3d>
+      <a:camera prst="orthographicFront"/>
+      <a:lightRig rig="threePt" dir="t"/>
+    </dgm:scene3d>
+    <dgm:sp3d/>
+    <dgm:txPr/>
+    <dgm:style>
+      <a:lnRef idx="2">
+        <a:scrgbClr r="0" g="0" b="0"/>
+      </a:lnRef>
+      <a:fillRef idx="1">
+        <a:scrgbClr r="0" g="0" b="0"/>
+      </a:fillRef>
+      <a:effectRef idx="0">
+        <a:scrgbClr r="0" g="0" b="0"/>
+      </a:effectRef>
+      <a:fontRef idx="minor">
+        <a:schemeClr val="lt1"/>
+      </a:fontRef>
+    </dgm:style>
+  </dgm:styleLbl>
+  <dgm:styleLbl name="vennNode1">
+    <dgm:scene3d>
+      <a:camera prst="orthographicFront"/>
+      <a:lightRig rig="threePt" dir="t"/>
+    </dgm:scene3d>
+    <dgm:sp3d/>
+    <dgm:txPr/>
+    <dgm:style>
+      <a:lnRef idx="2">
+        <a:scrgbClr r="0" g="0" b="0"/>
+      </a:lnRef>
+      <a:fillRef idx="1">
+        <a:scrgbClr r="0" g="0" b="0"/>
+      </a:fillRef>
+      <a:effectRef idx="0">
+        <a:scrgbClr r="0" g="0" b="0"/>
+      </a:effectRef>
+      <a:fontRef idx="minor">
+        <a:schemeClr val="tx1"/>
+      </a:fontRef>
+    </dgm:style>
+  </dgm:styleLbl>
+  <dgm:styleLbl name="alignNode1">
+    <dgm:scene3d>
+      <a:camera prst="orthographicFront"/>
+      <a:lightRig rig="threePt" dir="t"/>
+    </dgm:scene3d>
+    <dgm:sp3d/>
+    <dgm:txPr/>
+    <dgm:style>
+      <a:lnRef idx="2">
+        <a:scrgbClr r="0" g="0" b="0"/>
+      </a:lnRef>
+      <a:fillRef idx="1">
+        <a:scrgbClr r="0" g="0" b="0"/>
+      </a:fillRef>
+      <a:effectRef idx="0">
+        <a:scrgbClr r="0" g="0" b="0"/>
+      </a:effectRef>
+      <a:fontRef idx="minor">
+        <a:schemeClr val="lt1"/>
+      </a:fontRef>
+    </dgm:style>
+  </dgm:styleLbl>
+  <dgm:styleLbl name="node1">
+    <dgm:scene3d>
+      <a:camera prst="orthographicFront"/>
+      <a:lightRig rig="threePt" dir="t"/>
+    </dgm:scene3d>
+    <dgm:sp3d/>
+    <dgm:txPr/>
+    <dgm:style>
+      <a:lnRef idx="2">
+        <a:scrgbClr r="0" g="0" b="0"/>
+      </a:lnRef>
+      <a:fillRef idx="1">
+        <a:scrgbClr r="0" g="0" b="0"/>
+      </a:fillRef>
+      <a:effectRef idx="0">
+        <a:scrgbClr r="0" g="0" b="0"/>
+      </a:effectRef>
+      <a:fontRef idx="minor">
+        <a:schemeClr val="lt1"/>
+      </a:fontRef>
+    </dgm:style>
+  </dgm:styleLbl>
+  <dgm:styleLbl name="node2">
+    <dgm:scene3d>
+      <a:camera prst="orthographicFront"/>
+      <a:lightRig rig="threePt" dir="t"/>
+    </dgm:scene3d>
+    <dgm:sp3d/>
+    <dgm:txPr/>
+    <dgm:style>
+      <a:lnRef idx="2">
+        <a:scrgbClr r="0" g="0" b="0"/>
+      </a:lnRef>
+      <a:fillRef idx="1">
+        <a:scrgbClr r="0" g="0" b="0"/>
+      </a:fillRef>
+      <a:effectRef idx="0">
+        <a:scrgbClr r="0" g="0" b="0"/>
+      </a:effectRef>
+      <a:fontRef idx="minor">
+        <a:schemeClr val="lt1"/>
+      </a:fontRef>
+    </dgm:style>
+  </dgm:styleLbl>
+  <dgm:styleLbl name="node3">
+    <dgm:scene3d>
+      <a:camera prst="orthographicFront"/>
+      <a:lightRig rig="threePt" dir="t"/>
+    </dgm:scene3d>
+    <dgm:sp3d/>
+    <dgm:txPr/>
+    <dgm:style>
+      <a:lnRef idx="2">
+        <a:scrgbClr r="0" g="0" b="0"/>
+      </a:lnRef>
+      <a:fillRef idx="1">
+        <a:scrgbClr r="0" g="0" b="0"/>
+      </a:fillRef>
+      <a:effectRef idx="0">
+        <a:scrgbClr r="0" g="0" b="0"/>
+      </a:effectRef>
+      <a:fontRef idx="minor">
+        <a:schemeClr val="lt1"/>
+      </a:fontRef>
+    </dgm:style>
+  </dgm:styleLbl>
+  <dgm:styleLbl name="node4">
+    <dgm:scene3d>
+      <a:camera prst="orthographicFront"/>
+      <a:lightRig rig="threePt" dir="t"/>
+    </dgm:scene3d>
+    <dgm:sp3d/>
+    <dgm:txPr/>
+    <dgm:style>
+      <a:lnRef idx="2">
+        <a:scrgbClr r="0" g="0" b="0"/>
+      </a:lnRef>
+      <a:fillRef idx="1">
+        <a:scrgbClr r="0" g="0" b="0"/>
+      </a:fillRef>
+      <a:effectRef idx="0">
+        <a:scrgbClr r="0" g="0" b="0"/>
+      </a:effectRef>
+      <a:fontRef idx="minor">
+        <a:schemeClr val="lt1"/>
+      </a:fontRef>
+    </dgm:style>
+  </dgm:styleLbl>
+  <dgm:styleLbl name="fgImgPlace1">
+    <dgm:scene3d>
+      <a:camera prst="orthographicFront"/>
+      <a:lightRig rig="threePt" dir="t"/>
+    </dgm:scene3d>
+    <dgm:sp3d/>
+    <dgm:txPr/>
+    <dgm:style>
+      <a:lnRef idx="2">
+        <a:scrgbClr r="0" g="0" b="0"/>
+      </a:lnRef>
+      <a:fillRef idx="1">
+        <a:scrgbClr r="0" g="0" b="0"/>
+      </a:fillRef>
+      <a:effectRef idx="0">
+        <a:scrgbClr r="0" g="0" b="0"/>
+      </a:effectRef>
+      <a:fontRef idx="minor"/>
+    </dgm:style>
+  </dgm:styleLbl>
+  <dgm:styleLbl name="alignImgPlace1">
+    <dgm:scene3d>
+      <a:camera prst="orthographicFront"/>
+      <a:lightRig rig="threePt" dir="t"/>
+    </dgm:scene3d>
+    <dgm:sp3d/>
+    <dgm:txPr/>
+    <dgm:style>
+      <a:lnRef idx="2">
+        <a:scrgbClr r="0" g="0" b="0"/>
+      </a:lnRef>
+      <a:fillRef idx="1">
+        <a:scrgbClr r="0" g="0" b="0"/>
+      </a:fillRef>
+      <a:effectRef idx="0">
+        <a:scrgbClr r="0" g="0" b="0"/>
+      </a:effectRef>
+      <a:fontRef idx="minor"/>
+    </dgm:style>
+  </dgm:styleLbl>
+  <dgm:styleLbl name="bgImgPlace1">
+    <dgm:scene3d>
+      <a:camera prst="orthographicFront"/>
+      <a:lightRig rig="threePt" dir="t"/>
+    </dgm:scene3d>
+    <dgm:sp3d/>
+    <dgm:txPr/>
+    <dgm:style>
+      <a:lnRef idx="2">
+        <a:scrgbClr r="0" g="0" b="0"/>
+      </a:lnRef>
+      <a:fillRef idx="1">
+        <a:scrgbClr r="0" g="0" b="0"/>
+      </a:fillRef>
+      <a:effectRef idx="0">
+        <a:scrgbClr r="0" g="0" b="0"/>
+      </a:effectRef>
+      <a:fontRef idx="minor"/>
+    </dgm:style>
+  </dgm:styleLbl>
+  <dgm:styleLbl name="sibTrans2D1">
+    <dgm:scene3d>
+      <a:camera prst="orthographicFront"/>
+      <a:lightRig rig="threePt" dir="t"/>
+    </dgm:scene3d>
+    <dgm:sp3d/>
+    <dgm:txPr/>
+    <dgm:style>
+      <a:lnRef idx="0">
+        <a:scrgbClr r="0" g="0" b="0"/>
+      </a:lnRef>
+      <a:fillRef idx="1">
+        <a:scrgbClr r="0" g="0" b="0"/>
+      </a:fillRef>
+      <a:effectRef idx="0">
+        <a:scrgbClr r="0" g="0" b="0"/>
+      </a:effectRef>
+      <a:fontRef idx="minor">
+        <a:schemeClr val="lt1"/>
+      </a:fontRef>
+    </dgm:style>
+  </dgm:styleLbl>
+  <dgm:styleLbl name="fgSibTrans2D1">
+    <dgm:scene3d>
+      <a:camera prst="orthographicFront"/>
+      <a:lightRig rig="threePt" dir="t"/>
+    </dgm:scene3d>
+    <dgm:sp3d/>
+    <dgm:txPr/>
+    <dgm:style>
+      <a:lnRef idx="0">
+        <a:scrgbClr r="0" g="0" b="0"/>
+      </a:lnRef>
+      <a:fillRef idx="1">
+        <a:scrgbClr r="0" g="0" b="0"/>
+      </a:fillRef>
+      <a:effectRef idx="0">
+        <a:scrgbClr r="0" g="0" b="0"/>
+      </a:effectRef>
+      <a:fontRef idx="minor">
+        <a:schemeClr val="lt1"/>
+      </a:fontRef>
+    </dgm:style>
+  </dgm:styleLbl>
+  <dgm:styleLbl name="bgSibTrans2D1">
+    <dgm:scene3d>
+      <a:camera prst="orthographicFront"/>
+      <a:lightRig rig="threePt" dir="t"/>
+    </dgm:scene3d>
+    <dgm:sp3d/>
+    <dgm:txPr/>
+    <dgm:style>
+      <a:lnRef idx="0">
+        <a:scrgbClr r="0" g="0" b="0"/>
+      </a:lnRef>
+      <a:fillRef idx="1">
+        <a:scrgbClr r="0" g="0" b="0"/>
+      </a:fillRef>
+      <a:effectRef idx="0">
+        <a:scrgbClr r="0" g="0" b="0"/>
+      </a:effectRef>
+      <a:fontRef idx="minor">
+        <a:schemeClr val="lt1"/>
+      </a:fontRef>
+    </dgm:style>
+  </dgm:styleLbl>
+  <dgm:styleLbl name="sibTrans1D1">
+    <dgm:scene3d>
+      <a:camera prst="orthographicFront"/>
+      <a:lightRig rig="threePt" dir="t"/>
+    </dgm:scene3d>
+    <dgm:sp3d/>
+    <dgm:txPr/>
+    <dgm:style>
+      <a:lnRef idx="1">
+        <a:scrgbClr r="0" g="0" b="0"/>
+      </a:lnRef>
+      <a:fillRef idx="0">
+        <a:scrgbClr r="0" g="0" b="0"/>
+      </a:fillRef>
+      <a:effectRef idx="0">
+        <a:scrgbClr r="0" g="0" b="0"/>
+      </a:effectRef>
+      <a:fontRef idx="minor"/>
+    </dgm:style>
+  </dgm:styleLbl>
+  <dgm:styleLbl name="callout">
+    <dgm:scene3d>
+      <a:camera prst="orthographicFront"/>
+      <a:lightRig rig="threePt" dir="t"/>
+    </dgm:scene3d>
+    <dgm:sp3d/>
+    <dgm:txPr/>
+    <dgm:style>
+      <a:lnRef idx="2">
+        <a:scrgbClr r="0" g="0" b="0"/>
+      </a:lnRef>
+      <a:fillRef idx="1">
+        <a:scrgbClr r="0" g="0" b="0"/>
+      </a:fillRef>
+      <a:effectRef idx="0">
+        <a:scrgbClr r="0" g="0" b="0"/>
+      </a:effectRef>
+      <a:fontRef idx="minor"/>
+    </dgm:style>
+  </dgm:styleLbl>
+  <dgm:styleLbl name="asst0">
+    <dgm:scene3d>
+      <a:camera prst="orthographicFront"/>
+      <a:lightRig rig="threePt" dir="t"/>
+    </dgm:scene3d>
+    <dgm:sp3d/>
+    <dgm:txPr/>
+    <dgm:style>
+      <a:lnRef idx="2">
+        <a:scrgbClr r="0" g="0" b="0"/>
+      </a:lnRef>
+      <a:fillRef idx="1">
+        <a:scrgbClr r="0" g="0" b="0"/>
+      </a:fillRef>
+      <a:effectRef idx="0">
+        <a:scrgbClr r="0" g="0" b="0"/>
+      </a:effectRef>
+      <a:fontRef idx="minor">
+        <a:schemeClr val="lt1"/>
+      </a:fontRef>
+    </dgm:style>
+  </dgm:styleLbl>
+  <dgm:styleLbl name="asst1">
+    <dgm:scene3d>
+      <a:camera prst="orthographicFront"/>
+      <a:lightRig rig="threePt" dir="t"/>
+    </dgm:scene3d>
+    <dgm:sp3d/>
+    <dgm:txPr/>
+    <dgm:style>
+      <a:lnRef idx="2">
+        <a:scrgbClr r="0" g="0" b="0"/>
+      </a:lnRef>
+      <a:fillRef idx="1">
+        <a:scrgbClr r="0" g="0" b="0"/>
+      </a:fillRef>
+      <a:effectRef idx="0">
+        <a:scrgbClr r="0" g="0" b="0"/>
+      </a:effectRef>
+      <a:fontRef idx="minor">
+        <a:schemeClr val="lt1"/>
+      </a:fontRef>
+    </dgm:style>
+  </dgm:styleLbl>
+  <dgm:styleLbl name="asst2">
+    <dgm:scene3d>
+      <a:camera prst="orthographicFront"/>
+      <a:lightRig rig="threePt" dir="t"/>
+    </dgm:scene3d>
+    <dgm:sp3d/>
+    <dgm:txPr/>
+    <dgm:style>
+      <a:lnRef idx="2">
+        <a:scrgbClr r="0" g="0" b="0"/>
+      </a:lnRef>
+      <a:fillRef idx="1">
+        <a:scrgbClr r="0" g="0" b="0"/>
+      </a:fillRef>
+      <a:effectRef idx="0">
+        <a:scrgbClr r="0" g="0" b="0"/>
+      </a:effectRef>
+      <a:fontRef idx="minor">
+        <a:schemeClr val="lt1"/>
+      </a:fontRef>
+    </dgm:style>
+  </dgm:styleLbl>
+  <dgm:styleLbl name="asst3">
+    <dgm:scene3d>
+      <a:camera prst="orthographicFront"/>
+      <a:lightRig rig="threePt" dir="t"/>
+    </dgm:scene3d>
+    <dgm:sp3d/>
+    <dgm:txPr/>
+    <dgm:style>
+      <a:lnRef idx="2">
+        <a:scrgbClr r="0" g="0" b="0"/>
+      </a:lnRef>
+      <a:fillRef idx="1">
+        <a:scrgbClr r="0" g="0" b="0"/>
+      </a:fillRef>
+      <a:effectRef idx="0">
+        <a:scrgbClr r="0" g="0" b="0"/>
+      </a:effectRef>
+      <a:fontRef idx="minor">
+        <a:schemeClr val="lt1"/>
+      </a:fontRef>
+    </dgm:style>
+  </dgm:styleLbl>
+  <dgm:styleLbl name="asst4">
+    <dgm:scene3d>
+      <a:camera prst="orthographicFront"/>
+      <a:lightRig rig="threePt" dir="t"/>
+    </dgm:scene3d>
+    <dgm:sp3d/>
+    <dgm:txPr/>
+    <dgm:style>
+      <a:lnRef idx="2">
+        <a:scrgbClr r="0" g="0" b="0"/>
+      </a:lnRef>
+      <a:fillRef idx="1">
+        <a:scrgbClr r="0" g="0" b="0"/>
+      </a:fillRef>
+      <a:effectRef idx="0">
+        <a:scrgbClr r="0" g="0" b="0"/>
+      </a:effectRef>
+      <a:fontRef idx="minor">
+        <a:schemeClr val="lt1"/>
+      </a:fontRef>
+    </dgm:style>
+  </dgm:styleLbl>
+  <dgm:styleLbl name="parChTrans2D1">
+    <dgm:scene3d>
+      <a:camera prst="orthographicFront"/>
+      <a:lightRig rig="threePt" dir="t"/>
+    </dgm:scene3d>
+    <dgm:sp3d/>
+    <dgm:txPr/>
+    <dgm:style>
+      <a:lnRef idx="2">
+        <a:scrgbClr r="0" g="0" b="0"/>
+      </a:lnRef>
+      <a:fillRef idx="1">
+        <a:scrgbClr r="0" g="0" b="0"/>
+      </a:fillRef>
+      <a:effectRef idx="0">
+        <a:scrgbClr r="0" g="0" b="0"/>
+      </a:effectRef>
+      <a:fontRef idx="minor">
+        <a:schemeClr val="lt1"/>
+      </a:fontRef>
+    </dgm:style>
+  </dgm:styleLbl>
+  <dgm:styleLbl name="parChTrans2D2">
+    <dgm:scene3d>
+      <a:camera prst="orthographicFront"/>
+      <a:lightRig rig="threePt" dir="t"/>
+    </dgm:scene3d>
+    <dgm:sp3d/>
+    <dgm:txPr/>
+    <dgm:style>
+      <a:lnRef idx="2">
+        <a:scrgbClr r="0" g="0" b="0"/>
+      </a:lnRef>
+      <a:fillRef idx="1">
+        <a:scrgbClr r="0" g="0" b="0"/>
+      </a:fillRef>
+      <a:effectRef idx="0">
+        <a:scrgbClr r="0" g="0" b="0"/>
+      </a:effectRef>
+      <a:fontRef idx="minor">
+        <a:schemeClr val="lt1"/>
+      </a:fontRef>
+    </dgm:style>
+  </dgm:styleLbl>
+  <dgm:styleLbl name="parChTrans2D3">
+    <dgm:scene3d>
+      <a:camera prst="orthographicFront"/>
+      <a:lightRig rig="threePt" dir="t"/>
+    </dgm:scene3d>
+    <dgm:sp3d/>
+    <dgm:txPr/>
+    <dgm:style>
+      <a:lnRef idx="2">
+        <a:scrgbClr r="0" g="0" b="0"/>
+      </a:lnRef>
+      <a:fillRef idx="1">
+        <a:scrgbClr r="0" g="0" b="0"/>
+      </a:fillRef>
+      <a:effectRef idx="0">
+        <a:scrgbClr r="0" g="0" b="0"/>
+      </a:effectRef>
+      <a:fontRef idx="minor">
+        <a:schemeClr val="lt1"/>
+      </a:fontRef>
+    </dgm:style>
+  </dgm:styleLbl>
+  <dgm:styleLbl name="parChTrans2D4">
+    <dgm:scene3d>
+      <a:camera prst="orthographicFront"/>
+      <a:lightRig rig="threePt" dir="t"/>
+    </dgm:scene3d>
+    <dgm:sp3d/>
+    <dgm:txPr/>
+    <dgm:style>
+      <a:lnRef idx="2">
+        <a:scrgbClr r="0" g="0" b="0"/>
+      </a:lnRef>
+      <a:fillRef idx="1">
+        <a:scrgbClr r="0" g="0" b="0"/>
+      </a:fillRef>
+      <a:effectRef idx="0">
+        <a:scrgbClr r="0" g="0" b="0"/>
+      </a:effectRef>
+      <a:fontRef idx="minor">
+        <a:schemeClr val="lt1"/>
+      </a:fontRef>
+    </dgm:style>
+  </dgm:styleLbl>
+  <dgm:styleLbl name="parChTrans1D1">
+    <dgm:scene3d>
+      <a:camera prst="orthographicFront"/>
+      <a:lightRig rig="threePt" dir="t"/>
+    </dgm:scene3d>
+    <dgm:sp3d/>
+    <dgm:txPr/>
+    <dgm:style>
+      <a:lnRef idx="2">
+        <a:scrgbClr r="0" g="0" b="0"/>
+      </a:lnRef>
+      <a:fillRef idx="0">
+        <a:scrgbClr r="0" g="0" b="0"/>
+      </a:fillRef>
+      <a:effectRef idx="0">
+        <a:scrgbClr r="0" g="0" b="0"/>
+      </a:effectRef>
+      <a:fontRef idx="minor"/>
+    </dgm:style>
+  </dgm:styleLbl>
+  <dgm:styleLbl name="parChTrans1D2">
+    <dgm:scene3d>
+      <a:camera prst="orthographicFront"/>
+      <a:lightRig rig="threePt" dir="t"/>
+    </dgm:scene3d>
+    <dgm:sp3d/>
+    <dgm:txPr/>
+    <dgm:style>
+      <a:lnRef idx="2">
+        <a:scrgbClr r="0" g="0" b="0"/>
+      </a:lnRef>
+      <a:fillRef idx="0">
+        <a:scrgbClr r="0" g="0" b="0"/>
+      </a:fillRef>
+      <a:effectRef idx="0">
+        <a:scrgbClr r="0" g="0" b="0"/>
+      </a:effectRef>
+      <a:fontRef idx="minor"/>
+    </dgm:style>
+  </dgm:styleLbl>
+  <dgm:styleLbl name="parChTrans1D3">
+    <dgm:scene3d>
+      <a:camera prst="orthographicFront"/>
+      <a:lightRig rig="threePt" dir="t"/>
+    </dgm:scene3d>
+    <dgm:sp3d/>
+    <dgm:txPr/>
+    <dgm:style>
+      <a:lnRef idx="2">
+        <a:scrgbClr r="0" g="0" b="0"/>
+      </a:lnRef>
+      <a:fillRef idx="0">
+        <a:scrgbClr r="0" g="0" b="0"/>
+      </a:fillRef>
+      <a:effectRef idx="0">
+        <a:scrgbClr r="0" g="0" b="0"/>
+      </a:effectRef>
+      <a:fontRef idx="minor"/>
+    </dgm:style>
+  </dgm:styleLbl>
+  <dgm:styleLbl name="parChTrans1D4">
+    <dgm:scene3d>
+      <a:camera prst="orthographicFront"/>
+      <a:lightRig rig="threePt" dir="t"/>
+    </dgm:scene3d>
+    <dgm:sp3d/>
+    <dgm:txPr/>
+    <dgm:style>
+      <a:lnRef idx="2">
+        <a:scrgbClr r="0" g="0" b="0"/>
+      </a:lnRef>
+      <a:fillRef idx="0">
+        <a:scrgbClr r="0" g="0" b="0"/>
+      </a:fillRef>
+      <a:effectRef idx="0">
+        <a:scrgbClr r="0" g="0" b="0"/>
+      </a:effectRef>
+      <a:fontRef idx="minor"/>
+    </dgm:style>
+  </dgm:styleLbl>
+  <dgm:styleLbl name="fgAcc1">
+    <dgm:scene3d>
+      <a:camera prst="orthographicFront"/>
+      <a:lightRig rig="threePt" dir="t"/>
+    </dgm:scene3d>
+    <dgm:sp3d/>
+    <dgm:txPr/>
+    <dgm:style>
+      <a:lnRef idx="2">
+        <a:scrgbClr r="0" g="0" b="0"/>
+      </a:lnRef>
+      <a:fillRef idx="1">
+        <a:scrgbClr r="0" g="0" b="0"/>
+      </a:fillRef>
+      <a:effectRef idx="0">
+        <a:scrgbClr r="0" g="0" b="0"/>
+      </a:effectRef>
+      <a:fontRef idx="minor"/>
+    </dgm:style>
+  </dgm:styleLbl>
+  <dgm:styleLbl name="conFgAcc1">
+    <dgm:scene3d>
+      <a:camera prst="orthographicFront"/>
+      <a:lightRig rig="threePt" dir="t"/>
+    </dgm:scene3d>
+    <dgm:sp3d/>
+    <dgm:txPr/>
+    <dgm:style>
+      <a:lnRef idx="2">
+        <a:scrgbClr r="0" g="0" b="0"/>
+      </a:lnRef>
+      <a:fillRef idx="1">
+        <a:scrgbClr r="0" g="0" b="0"/>
+      </a:fillRef>
+      <a:effectRef idx="0">
+        <a:scrgbClr r="0" g="0" b="0"/>
+      </a:effectRef>
+      <a:fontRef idx="minor"/>
+    </dgm:style>
+  </dgm:styleLbl>
+  <dgm:styleLbl name="alignAcc1">
+    <dgm:scene3d>
+      <a:camera prst="orthographicFront"/>
+      <a:lightRig rig="threePt" dir="t"/>
+    </dgm:scene3d>
+    <dgm:sp3d/>
+    <dgm:txPr/>
+    <dgm:style>
+      <a:lnRef idx="2">
+        <a:scrgbClr r="0" g="0" b="0"/>
+      </a:lnRef>
+      <a:fillRef idx="1">
+        <a:scrgbClr r="0" g="0" b="0"/>
+      </a:fillRef>
+      <a:effectRef idx="0">
+        <a:scrgbClr r="0" g="0" b="0"/>
+      </a:effectRef>
+      <a:fontRef idx="minor"/>
+    </dgm:style>
+  </dgm:styleLbl>
+  <dgm:styleLbl name="trAlignAcc1">
+    <dgm:scene3d>
+      <a:camera prst="orthographicFront"/>
+      <a:lightRig rig="threePt" dir="t"/>
+    </dgm:scene3d>
+    <dgm:sp3d/>
+    <dgm:txPr/>
+    <dgm:style>
+      <a:lnRef idx="1">
+        <a:scrgbClr r="0" g="0" b="0"/>
+      </a:lnRef>
+      <a:fillRef idx="1">
+        <a:scrgbClr r="0" g="0" b="0"/>
+      </a:fillRef>
+      <a:effectRef idx="0">
+        <a:scrgbClr r="0" g="0" b="0"/>
+      </a:effectRef>
+      <a:fontRef idx="minor"/>
+    </dgm:style>
+  </dgm:styleLbl>
+  <dgm:styleLbl name="bgAcc1">
+    <dgm:scene3d>
+      <a:camera prst="orthographicFront"/>
+      <a:lightRig rig="threePt" dir="t"/>
+    </dgm:scene3d>
+    <dgm:sp3d/>
+    <dgm:txPr/>
+    <dgm:style>
+      <a:lnRef idx="2">
+        <a:scrgbClr r="0" g="0" b="0"/>
+      </a:lnRef>
+      <a:fillRef idx="1">
+        <a:scrgbClr r="0" g="0" b="0"/>
+      </a:fillRef>
+      <a:effectRef idx="0">
+        <a:scrgbClr r="0" g="0" b="0"/>
+      </a:effectRef>
+      <a:fontRef idx="minor"/>
+    </dgm:style>
+  </dgm:styleLbl>
+  <dgm:styleLbl name="solidFgAcc1">
+    <dgm:scene3d>
+      <a:camera prst="orthographicFront"/>
+      <a:lightRig rig="threePt" dir="t"/>
+    </dgm:scene3d>
+    <dgm:sp3d/>
+    <dgm:txPr/>
+    <dgm:style>
+      <a:lnRef idx="2">
+        <a:scrgbClr r="0" g="0" b="0"/>
+      </a:lnRef>
+      <a:fillRef idx="1">
+        <a:scrgbClr r="0" g="0" b="0"/>
+      </a:fillRef>
+      <a:effectRef idx="0">
+        <a:scrgbClr r="0" g="0" b="0"/>
+      </a:effectRef>
+      <a:fontRef idx="minor"/>
+    </dgm:style>
+  </dgm:styleLbl>
+  <dgm:styleLbl name="solidAlignAcc1">
+    <dgm:scene3d>
+      <a:camera prst="orthographicFront"/>
+      <a:lightRig rig="threePt" dir="t"/>
+    </dgm:scene3d>
+    <dgm:sp3d/>
+    <dgm:txPr/>
+    <dgm:style>
+      <a:lnRef idx="2">
+        <a:scrgbClr r="0" g="0" b="0"/>
+      </a:lnRef>
+      <a:fillRef idx="1">
+        <a:scrgbClr r="0" g="0" b="0"/>
+      </a:fillRef>
+      <a:effectRef idx="0">
+        <a:scrgbClr r="0" g="0" b="0"/>
+      </a:effectRef>
+      <a:fontRef idx="minor"/>
+    </dgm:style>
+  </dgm:styleLbl>
+  <dgm:styleLbl name="solidBgAcc1">
+    <dgm:scene3d>
+      <a:camera prst="orthographicFront"/>
+      <a:lightRig rig="threePt" dir="t"/>
+    </dgm:scene3d>
+    <dgm:sp3d/>
+    <dgm:txPr/>
+    <dgm:style>
+      <a:lnRef idx="2">
+        <a:scrgbClr r="0" g="0" b="0"/>
+      </a:lnRef>
+      <a:fillRef idx="1">
+        <a:scrgbClr r="0" g="0" b="0"/>
+      </a:fillRef>
+      <a:effectRef idx="0">
+        <a:scrgbClr r="0" g="0" b="0"/>
+      </a:effectRef>
+      <a:fontRef idx="minor"/>
+    </dgm:style>
+  </dgm:styleLbl>
+  <dgm:styleLbl name="fgAccFollowNode1">
+    <dgm:scene3d>
+      <a:camera prst="orthographicFront"/>
+      <a:lightRig rig="threePt" dir="t"/>
+    </dgm:scene3d>
+    <dgm:sp3d/>
+    <dgm:txPr/>
+    <dgm:style>
+      <a:lnRef idx="2">
+        <a:scrgbClr r="0" g="0" b="0"/>
+      </a:lnRef>
+      <a:fillRef idx="1">
+        <a:scrgbClr r="0" g="0" b="0"/>
+      </a:fillRef>
+      <a:effectRef idx="0">
+        <a:scrgbClr r="0" g="0" b="0"/>
+      </a:effectRef>
+      <a:fontRef idx="minor"/>
+    </dgm:style>
+  </dgm:styleLbl>
+  <dgm:styleLbl name="alignAccFollowNode1">
+    <dgm:scene3d>
+      <a:camera prst="orthographicFront"/>
+      <a:lightRig rig="threePt" dir="t"/>
+    </dgm:scene3d>
+    <dgm:sp3d/>
+    <dgm:txPr/>
+    <dgm:style>
+      <a:lnRef idx="2">
+        <a:scrgbClr r="0" g="0" b="0"/>
+      </a:lnRef>
+      <a:fillRef idx="1">
+        <a:scrgbClr r="0" g="0" b="0"/>
+      </a:fillRef>
+      <a:effectRef idx="0">
+        <a:scrgbClr r="0" g="0" b="0"/>
+      </a:effectRef>
+      <a:fontRef idx="minor"/>
+    </dgm:style>
+  </dgm:styleLbl>
+  <dgm:styleLbl name="bgAccFollowNode1">
+    <dgm:scene3d>
+      <a:camera prst="orthographicFront"/>
+      <a:lightRig rig="threePt" dir="t"/>
+    </dgm:scene3d>
+    <dgm:sp3d/>
+    <dgm:txPr/>
+    <dgm:style>
+      <a:lnRef idx="2">
+        <a:scrgbClr r="0" g="0" b="0"/>
+      </a:lnRef>
+      <a:fillRef idx="1">
+        <a:scrgbClr r="0" g="0" b="0"/>
+      </a:fillRef>
+      <a:effectRef idx="0">
+        <a:scrgbClr r="0" g="0" b="0"/>
+      </a:effectRef>
+      <a:fontRef idx="minor"/>
+    </dgm:style>
+  </dgm:styleLbl>
+  <dgm:styleLbl name="fgAcc0">
+    <dgm:scene3d>
+      <a:camera prst="orthographicFront"/>
+      <a:lightRig rig="threePt" dir="t"/>
+    </dgm:scene3d>
+    <dgm:sp3d/>
+    <dgm:txPr/>
+    <dgm:style>
+      <a:lnRef idx="2">
+        <a:scrgbClr r="0" g="0" b="0"/>
+      </a:lnRef>
+      <a:fillRef idx="1">
+        <a:scrgbClr r="0" g="0" b="0"/>
+      </a:fillRef>
+      <a:effectRef idx="0">
+        <a:scrgbClr r="0" g="0" b="0"/>
+      </a:effectRef>
+      <a:fontRef idx="minor"/>
+    </dgm:style>
+  </dgm:styleLbl>
+  <dgm:styleLbl name="fgAcc2">
+    <dgm:scene3d>
+      <a:camera prst="orthographicFront"/>
+      <a:lightRig rig="threePt" dir="t"/>
+    </dgm:scene3d>
+    <dgm:sp3d/>
+    <dgm:txPr/>
+    <dgm:style>
+      <a:lnRef idx="2">
+        <a:scrgbClr r="0" g="0" b="0"/>
+      </a:lnRef>
+      <a:fillRef idx="1">
+        <a:scrgbClr r="0" g="0" b="0"/>
+      </a:fillRef>
+      <a:effectRef idx="0">
+        <a:scrgbClr r="0" g="0" b="0"/>
+      </a:effectRef>
+      <a:fontRef idx="minor"/>
+    </dgm:style>
+  </dgm:styleLbl>
+  <dgm:styleLbl name="fgAcc3">
+    <dgm:scene3d>
+      <a:camera prst="orthographicFront"/>
+      <a:lightRig rig="threePt" dir="t"/>
+    </dgm:scene3d>
+    <dgm:sp3d/>
+    <dgm:txPr/>
+    <dgm:style>
+      <a:lnRef idx="2">
+        <a:scrgbClr r="0" g="0" b="0"/>
+      </a:lnRef>
+      <a:fillRef idx="1">
+        <a:scrgbClr r="0" g="0" b="0"/>
+      </a:fillRef>
+      <a:effectRef idx="0">
+        <a:scrgbClr r="0" g="0" b="0"/>
+      </a:effectRef>
+      <a:fontRef idx="minor"/>
+    </dgm:style>
+  </dgm:styleLbl>
+  <dgm:styleLbl name="fgAcc4">
+    <dgm:scene3d>
+      <a:camera prst="orthographicFront"/>
+      <a:lightRig rig="threePt" dir="t"/>
+    </dgm:scene3d>
+    <dgm:sp3d/>
+    <dgm:txPr/>
+    <dgm:style>
+      <a:lnRef idx="2">
+        <a:scrgbClr r="0" g="0" b="0"/>
+      </a:lnRef>
+      <a:fillRef idx="1">
+        <a:scrgbClr r="0" g="0" b="0"/>
+      </a:fillRef>
+      <a:effectRef idx="0">
+        <a:scrgbClr r="0" g="0" b="0"/>
+      </a:effectRef>
+      <a:fontRef idx="minor"/>
+    </dgm:style>
+  </dgm:styleLbl>
+  <dgm:styleLbl name="bgShp">
+    <dgm:scene3d>
+      <a:camera prst="orthographicFront"/>
+      <a:lightRig rig="threePt" dir="t"/>
+    </dgm:scene3d>
+    <dgm:sp3d/>
+    <dgm:txPr/>
+    <dgm:style>
+      <a:lnRef idx="0">
+        <a:scrgbClr r="0" g="0" b="0"/>
+      </a:lnRef>
+      <a:fillRef idx="1">
+        <a:scrgbClr r="0" g="0" b="0"/>
+      </a:fillRef>
+      <a:effectRef idx="0">
+        <a:scrgbClr r="0" g="0" b="0"/>
+      </a:effectRef>
+      <a:fontRef idx="minor"/>
+    </dgm:style>
+  </dgm:styleLbl>
+  <dgm:styleLbl name="dkBgShp">
+    <dgm:scene3d>
+      <a:camera prst="orthographicFront"/>
+      <a:lightRig rig="threePt" dir="t"/>
+    </dgm:scene3d>
+    <dgm:sp3d/>
+    <dgm:txPr/>
+    <dgm:style>
+      <a:lnRef idx="0">
+        <a:scrgbClr r="0" g="0" b="0"/>
+      </a:lnRef>
+      <a:fillRef idx="1">
+        <a:scrgbClr r="0" g="0" b="0"/>
+      </a:fillRef>
+      <a:effectRef idx="0">
+        <a:scrgbClr r="0" g="0" b="0"/>
+      </a:effectRef>
+      <a:fontRef idx="minor"/>
+    </dgm:style>
+  </dgm:styleLbl>
+  <dgm:styleLbl name="trBgShp">
+    <dgm:scene3d>
+      <a:camera prst="orthographicFront"/>
+      <a:lightRig rig="threePt" dir="t"/>
+    </dgm:scene3d>
+    <dgm:sp3d/>
+    <dgm:txPr/>
+    <dgm:style>
+      <a:lnRef idx="0">
+        <a:scrgbClr r="0" g="0" b="0"/>
+      </a:lnRef>
+      <a:fillRef idx="1">
+        <a:scrgbClr r="0" g="0" b="0"/>
+      </a:fillRef>
+      <a:effectRef idx="0">
+        <a:scrgbClr r="0" g="0" b="0"/>
+      </a:effectRef>
+      <a:fontRef idx="minor"/>
+    </dgm:style>
+  </dgm:styleLbl>
+  <dgm:styleLbl name="fgShp">
+    <dgm:scene3d>
+      <a:camera prst="orthographicFront"/>
+      <a:lightRig rig="threePt" dir="t"/>
+    </dgm:scene3d>
+    <dgm:sp3d/>
+    <dgm:txPr/>
+    <dgm:style>
+      <a:lnRef idx="2">
+        <a:scrgbClr r="0" g="0" b="0"/>
+      </a:lnRef>
+      <a:fillRef idx="1">
+        <a:scrgbClr r="0" g="0" b="0"/>
+      </a:fillRef>
+      <a:effectRef idx="0">
+        <a:scrgbClr r="0" g="0" b="0"/>
+      </a:effectRef>
+      <a:fontRef idx="minor"/>
+    </dgm:style>
+  </dgm:styleLbl>
+  <dgm:styleLbl name="revTx">
+    <dgm:scene3d>
+      <a:camera prst="orthographicFront"/>
+      <a:lightRig rig="threePt" dir="t"/>
+    </dgm:scene3d>
+    <dgm:sp3d/>
+    <dgm:txPr/>
+    <dgm:style>
+      <a:lnRef idx="0">
+        <a:scrgbClr r="0" g="0" b="0"/>
+      </a:lnRef>
+      <a:fillRef idx="0">
+        <a:scrgbClr r="0" g="0" b="0"/>
+      </a:fillRef>
+      <a:effectRef idx="0">
+        <a:scrgbClr r="0" g="0" b="0"/>
+      </a:effectRef>
+      <a:fontRef idx="minor"/>
+    </dgm:style>
+  </dgm:styleLbl>
+</dgm:styleDef>
+</file>
+
 <file path=ppt/notesMasters/notesMaster1.xml><?xml version="1.0" encoding="utf-8"?>
 <p:notesMaster xmlns:a="http://schemas.openxmlformats.org/drawingml/2006/main" xmlns:r="http://schemas.openxmlformats.org/officeDocument/2006/relationships" xmlns:p="http://schemas.openxmlformats.org/presentationml/2006/main">
   <p:cSld>
@@ -9373,7 +11798,7 @@
           <a:p>
             <a:fld id="{7B39BBEB-73BE-CF46-87A1-2E34F495ECAD}" type="datetimeFigureOut">
               <a:rPr lang="fr-FR" smtClean="0"/>
-              <a:t>06/05/2024</a:t>
+              <a:t>07/05/2024</a:t>
             </a:fld>
             <a:endParaRPr lang="fr-FR"/>
           </a:p>
@@ -9871,7 +12296,7 @@
           <a:p>
             <a:fld id="{10FDF71A-15E6-194F-85C8-FECC8224A18A}" type="datetime1">
               <a:rPr lang="fr-FR" smtClean="0"/>
-              <a:t>06/05/2024</a:t>
+              <a:t>07/05/2024</a:t>
             </a:fld>
             <a:endParaRPr lang="fr-FR"/>
           </a:p>
@@ -10072,7 +12497,7 @@
           <a:p>
             <a:fld id="{D0780FB4-F3BD-F642-A75D-88B76AC259EF}" type="datetime1">
               <a:rPr lang="fr-FR" smtClean="0"/>
-              <a:t>06/05/2024</a:t>
+              <a:t>07/05/2024</a:t>
             </a:fld>
             <a:endParaRPr lang="fr-FR"/>
           </a:p>
@@ -10283,7 +12708,7 @@
           <a:p>
             <a:fld id="{33100327-2C7F-9847-ACCB-A334EE412207}" type="datetime1">
               <a:rPr lang="fr-FR" smtClean="0"/>
-              <a:t>06/05/2024</a:t>
+              <a:t>07/05/2024</a:t>
             </a:fld>
             <a:endParaRPr lang="fr-FR"/>
           </a:p>
@@ -10484,7 +12909,7 @@
           <a:p>
             <a:fld id="{AF531AC3-250A-E44D-AE7D-3B0BB45E006E}" type="datetime1">
               <a:rPr lang="fr-FR" smtClean="0"/>
-              <a:t>06/05/2024</a:t>
+              <a:t>07/05/2024</a:t>
             </a:fld>
             <a:endParaRPr lang="fr-FR"/>
           </a:p>
@@ -10762,7 +13187,7 @@
           <a:p>
             <a:fld id="{5DA5E2F0-C0C2-5044-BFFB-5633C5F370B7}" type="datetime1">
               <a:rPr lang="fr-FR" smtClean="0"/>
-              <a:t>06/05/2024</a:t>
+              <a:t>07/05/2024</a:t>
             </a:fld>
             <a:endParaRPr lang="fr-FR"/>
           </a:p>
@@ -11030,7 +13455,7 @@
           <a:p>
             <a:fld id="{CB052039-0E83-3D42-8BBE-29B1D45D46CD}" type="datetime1">
               <a:rPr lang="fr-FR" smtClean="0"/>
-              <a:t>06/05/2024</a:t>
+              <a:t>07/05/2024</a:t>
             </a:fld>
             <a:endParaRPr lang="fr-FR"/>
           </a:p>
@@ -11445,7 +13870,7 @@
           <a:p>
             <a:fld id="{D9B3E1CE-8C4A-8744-A26D-E5D8CD2356F3}" type="datetime1">
               <a:rPr lang="fr-FR" smtClean="0"/>
-              <a:t>06/05/2024</a:t>
+              <a:t>07/05/2024</a:t>
             </a:fld>
             <a:endParaRPr lang="fr-FR"/>
           </a:p>
@@ -11589,7 +14014,7 @@
           <a:p>
             <a:fld id="{FA3AC05A-52FF-7341-8D09-454186897678}" type="datetime1">
               <a:rPr lang="fr-FR" smtClean="0"/>
-              <a:t>06/05/2024</a:t>
+              <a:t>07/05/2024</a:t>
             </a:fld>
             <a:endParaRPr lang="fr-FR"/>
           </a:p>
@@ -11705,7 +14130,7 @@
           <a:p>
             <a:fld id="{30EB7298-6E7E-B94D-A7F1-01C5CE082315}" type="datetime1">
               <a:rPr lang="fr-FR" smtClean="0"/>
-              <a:t>06/05/2024</a:t>
+              <a:t>07/05/2024</a:t>
             </a:fld>
             <a:endParaRPr lang="fr-FR"/>
           </a:p>
@@ -12019,7 +14444,7 @@
           <a:p>
             <a:fld id="{84FCCC04-BBFE-8F45-9445-F548BD63832C}" type="datetime1">
               <a:rPr lang="fr-FR" smtClean="0"/>
-              <a:t>06/05/2024</a:t>
+              <a:t>07/05/2024</a:t>
             </a:fld>
             <a:endParaRPr lang="fr-FR"/>
           </a:p>
@@ -12310,7 +14735,7 @@
           <a:p>
             <a:fld id="{97695E63-BD55-3C4E-99A9-23FB0AD8FEF3}" type="datetime1">
               <a:rPr lang="fr-FR" smtClean="0"/>
-              <a:t>06/05/2024</a:t>
+              <a:t>07/05/2024</a:t>
             </a:fld>
             <a:endParaRPr lang="fr-FR"/>
           </a:p>
@@ -12554,7 +14979,7 @@
           <a:p>
             <a:fld id="{5C1F8E1E-6870-8A47-BC4F-30382507C530}" type="datetime1">
               <a:rPr lang="fr-FR" smtClean="0"/>
-              <a:t>06/05/2024</a:t>
+              <a:t>07/05/2024</a:t>
             </a:fld>
             <a:endParaRPr lang="fr-FR"/>
           </a:p>
@@ -14212,482 +16637,6 @@
       </p:grpSpPr>
       <p:sp useBgFill="1">
         <p:nvSpPr>
-          <p:cNvPr id="14" name="Rectangle 13">
-            <a:extLst>
-              <a:ext uri="{FF2B5EF4-FFF2-40B4-BE49-F238E27FC236}">
-                <a16:creationId xmlns:a16="http://schemas.microsoft.com/office/drawing/2014/main" id="{117AB3D3-3C9C-4DED-809A-78734805B895}"/>
-              </a:ext>
-              <a:ext uri="{C183D7F6-B498-43B3-948B-1728B52AA6E4}">
-                <adec:decorative xmlns:adec="http://schemas.microsoft.com/office/drawing/2017/decorative" val="1"/>
-              </a:ext>
-            </a:extLst>
-          </p:cNvPr>
-          <p:cNvSpPr>
-            <a:spLocks noGrp="1" noRot="1" noChangeAspect="1" noMove="1" noResize="1" noEditPoints="1" noAdjustHandles="1" noChangeArrowheads="1" noChangeShapeType="1" noTextEdit="1"/>
-          </p:cNvSpPr>
-          <p:nvPr>
-            <p:extLst>
-              <p:ext uri="{386F3935-93C4-4BCD-93E2-E3B085C9AB24}">
-                <p16:designElem xmlns:p16="http://schemas.microsoft.com/office/powerpoint/2015/main" val="1"/>
-              </p:ext>
-            </p:extLst>
-          </p:nvPr>
-        </p:nvSpPr>
-        <p:spPr>
-          <a:xfrm>
-            <a:off x="0" y="0"/>
-            <a:ext cx="12191999" cy="6857365"/>
-          </a:xfrm>
-          <a:prstGeom prst="rect">
-            <a:avLst/>
-          </a:prstGeom>
-          <a:ln>
-            <a:noFill/>
-          </a:ln>
-        </p:spPr>
-        <p:style>
-          <a:lnRef idx="2">
-            <a:schemeClr val="accent1">
-              <a:shade val="50000"/>
-            </a:schemeClr>
-          </a:lnRef>
-          <a:fillRef idx="1">
-            <a:schemeClr val="accent1"/>
-          </a:fillRef>
-          <a:effectRef idx="0">
-            <a:schemeClr val="accent1"/>
-          </a:effectRef>
-          <a:fontRef idx="minor">
-            <a:schemeClr val="lt1"/>
-          </a:fontRef>
-        </p:style>
-        <p:txBody>
-          <a:bodyPr rtlCol="0" anchor="ctr"/>
-          <a:lstStyle/>
-          <a:p>
-            <a:pPr algn="ctr"/>
-            <a:endParaRPr lang="en-US"/>
-          </a:p>
-        </p:txBody>
-      </p:sp>
-      <p:sp>
-        <p:nvSpPr>
-          <p:cNvPr id="2" name="Titre 1">
-            <a:extLst>
-              <a:ext uri="{FF2B5EF4-FFF2-40B4-BE49-F238E27FC236}">
-                <a16:creationId xmlns:a16="http://schemas.microsoft.com/office/drawing/2014/main" id="{3BD827B9-E080-88B3-BFA4-CD9A017C783E}"/>
-              </a:ext>
-            </a:extLst>
-          </p:cNvPr>
-          <p:cNvSpPr>
-            <a:spLocks noGrp="1"/>
-          </p:cNvSpPr>
-          <p:nvPr>
-            <p:ph type="title"/>
-          </p:nvPr>
-        </p:nvSpPr>
-        <p:spPr>
-          <a:xfrm>
-            <a:off x="793662" y="386930"/>
-            <a:ext cx="10066122" cy="1298448"/>
-          </a:xfrm>
-        </p:spPr>
-        <p:txBody>
-          <a:bodyPr anchor="b">
-            <a:normAutofit/>
-          </a:bodyPr>
-          <a:lstStyle/>
-          <a:p>
-            <a:r>
-              <a:rPr lang="fr-FR" sz="4800"/>
-              <a:t>Vues</a:t>
-            </a:r>
-          </a:p>
-        </p:txBody>
-      </p:sp>
-      <p:sp>
-        <p:nvSpPr>
-          <p:cNvPr id="16" name="Rectangle 15">
-            <a:extLst>
-              <a:ext uri="{FF2B5EF4-FFF2-40B4-BE49-F238E27FC236}">
-                <a16:creationId xmlns:a16="http://schemas.microsoft.com/office/drawing/2014/main" id="{3A9A4357-BD1D-4622-A4FE-766E6AB8DE84}"/>
-              </a:ext>
-              <a:ext uri="{C183D7F6-B498-43B3-948B-1728B52AA6E4}">
-                <adec:decorative xmlns:adec="http://schemas.microsoft.com/office/drawing/2017/decorative" val="1"/>
-              </a:ext>
-            </a:extLst>
-          </p:cNvPr>
-          <p:cNvSpPr>
-            <a:spLocks noGrp="1" noRot="1" noChangeAspect="1" noMove="1" noResize="1" noEditPoints="1" noAdjustHandles="1" noChangeArrowheads="1" noChangeShapeType="1" noTextEdit="1"/>
-          </p:cNvSpPr>
-          <p:nvPr>
-            <p:extLst>
-              <p:ext uri="{386F3935-93C4-4BCD-93E2-E3B085C9AB24}">
-                <p16:designElem xmlns:p16="http://schemas.microsoft.com/office/powerpoint/2015/main" val="1"/>
-              </p:ext>
-            </p:extLst>
-          </p:nvPr>
-        </p:nvSpPr>
-        <p:spPr>
-          <a:xfrm flipH="1" flipV="1">
-            <a:off x="-2" y="1998845"/>
-            <a:ext cx="11454595" cy="781699"/>
-          </a:xfrm>
-          <a:prstGeom prst="rect">
-            <a:avLst/>
-          </a:prstGeom>
-          <a:solidFill>
-            <a:schemeClr val="accent4"/>
-          </a:solidFill>
-          <a:ln>
-            <a:noFill/>
-          </a:ln>
-        </p:spPr>
-        <p:style>
-          <a:lnRef idx="2">
-            <a:schemeClr val="accent1">
-              <a:shade val="50000"/>
-            </a:schemeClr>
-          </a:lnRef>
-          <a:fillRef idx="1">
-            <a:schemeClr val="accent1"/>
-          </a:fillRef>
-          <a:effectRef idx="0">
-            <a:schemeClr val="accent1"/>
-          </a:effectRef>
-          <a:fontRef idx="minor">
-            <a:schemeClr val="lt1"/>
-          </a:fontRef>
-        </p:style>
-        <p:txBody>
-          <a:bodyPr rtlCol="0" anchor="ctr"/>
-          <a:lstStyle/>
-          <a:p>
-            <a:pPr algn="ctr"/>
-            <a:endParaRPr lang="en-US"/>
-          </a:p>
-        </p:txBody>
-      </p:sp>
-      <p:sp>
-        <p:nvSpPr>
-          <p:cNvPr id="18" name="Rectangle 17">
-            <a:extLst>
-              <a:ext uri="{FF2B5EF4-FFF2-40B4-BE49-F238E27FC236}">
-                <a16:creationId xmlns:a16="http://schemas.microsoft.com/office/drawing/2014/main" id="{E659831F-0D9A-4C63-9EBB-8435B85A440F}"/>
-              </a:ext>
-              <a:ext uri="{C183D7F6-B498-43B3-948B-1728B52AA6E4}">
-                <adec:decorative xmlns:adec="http://schemas.microsoft.com/office/drawing/2017/decorative" val="1"/>
-              </a:ext>
-            </a:extLst>
-          </p:cNvPr>
-          <p:cNvSpPr>
-            <a:spLocks noGrp="1" noRot="1" noChangeAspect="1" noMove="1" noResize="1" noEditPoints="1" noAdjustHandles="1" noChangeArrowheads="1" noChangeShapeType="1" noTextEdit="1"/>
-          </p:cNvSpPr>
-          <p:nvPr>
-            <p:extLst>
-              <p:ext uri="{386F3935-93C4-4BCD-93E2-E3B085C9AB24}">
-                <p16:designElem xmlns:p16="http://schemas.microsoft.com/office/powerpoint/2015/main" val="1"/>
-              </p:ext>
-            </p:extLst>
-          </p:nvPr>
-        </p:nvSpPr>
-        <p:spPr>
-          <a:xfrm>
-            <a:off x="0" y="2203079"/>
-            <a:ext cx="11383362" cy="4267991"/>
-          </a:xfrm>
-          <a:prstGeom prst="rect">
-            <a:avLst/>
-          </a:prstGeom>
-          <a:solidFill>
-            <a:schemeClr val="bg1"/>
-          </a:solidFill>
-          <a:ln>
-            <a:noFill/>
-          </a:ln>
-          <a:effectLst>
-            <a:outerShdw blurRad="139700" dist="127000" dir="5400000" algn="t" rotWithShape="0">
-              <a:prstClr val="black">
-                <a:alpha val="15000"/>
-              </a:prstClr>
-            </a:outerShdw>
-          </a:effectLst>
-        </p:spPr>
-        <p:style>
-          <a:lnRef idx="2">
-            <a:schemeClr val="accent1">
-              <a:shade val="50000"/>
-            </a:schemeClr>
-          </a:lnRef>
-          <a:fillRef idx="1">
-            <a:schemeClr val="accent1"/>
-          </a:fillRef>
-          <a:effectRef idx="0">
-            <a:schemeClr val="accent1"/>
-          </a:effectRef>
-          <a:fontRef idx="minor">
-            <a:schemeClr val="lt1"/>
-          </a:fontRef>
-        </p:style>
-        <p:txBody>
-          <a:bodyPr rtlCol="0" anchor="ctr"/>
-          <a:lstStyle/>
-          <a:p>
-            <a:pPr algn="ctr"/>
-            <a:endParaRPr lang="en-US"/>
-          </a:p>
-        </p:txBody>
-      </p:sp>
-      <p:pic>
-        <p:nvPicPr>
-          <p:cNvPr id="9" name="Espace réservé du contenu 8" descr="Une image contenant logiciel, texte, Icône d’ordinateur, multimédia&#10;&#10;Description générée automatiquement">
-            <a:extLst>
-              <a:ext uri="{FF2B5EF4-FFF2-40B4-BE49-F238E27FC236}">
-                <a16:creationId xmlns:a16="http://schemas.microsoft.com/office/drawing/2014/main" id="{78BC4953-1A5D-91BB-BB42-2CF706081E07}"/>
-              </a:ext>
-            </a:extLst>
-          </p:cNvPr>
-          <p:cNvPicPr>
-            <a:picLocks noGrp="1" noChangeAspect="1"/>
-          </p:cNvPicPr>
-          <p:nvPr>
-            <p:ph idx="1"/>
-          </p:nvPr>
-        </p:nvPicPr>
-        <p:blipFill>
-          <a:blip r:embed="rId2"/>
-          <a:stretch>
-            <a:fillRect/>
-          </a:stretch>
-        </p:blipFill>
-        <p:spPr>
-          <a:xfrm>
-            <a:off x="240987" y="2484256"/>
-            <a:ext cx="5348992" cy="3714243"/>
-          </a:xfrm>
-        </p:spPr>
-      </p:pic>
-      <p:pic>
-        <p:nvPicPr>
-          <p:cNvPr id="7" name="Espace réservé du contenu 6" descr="Une image contenant texte, ordinateur, logiciel, Icône d’ordinateur&#10;&#10;Description générée automatiquement">
-            <a:extLst>
-              <a:ext uri="{FF2B5EF4-FFF2-40B4-BE49-F238E27FC236}">
-                <a16:creationId xmlns:a16="http://schemas.microsoft.com/office/drawing/2014/main" id="{D79809C6-6C24-4CFD-1A6D-56529D283590}"/>
-              </a:ext>
-            </a:extLst>
-          </p:cNvPr>
-          <p:cNvPicPr>
-            <a:picLocks noChangeAspect="1"/>
-          </p:cNvPicPr>
-          <p:nvPr/>
-        </p:nvPicPr>
-        <p:blipFill rotWithShape="1">
-          <a:blip r:embed="rId3"/>
-          <a:srcRect l="1922" r="1711" b="3"/>
-          <a:stretch/>
-        </p:blipFill>
-        <p:spPr>
-          <a:xfrm>
-            <a:off x="5911532" y="2484255"/>
-            <a:ext cx="5150277" cy="3714244"/>
-          </a:xfrm>
-          <a:prstGeom prst="rect">
-            <a:avLst/>
-          </a:prstGeom>
-        </p:spPr>
-      </p:pic>
-      <p:sp>
-        <p:nvSpPr>
-          <p:cNvPr id="20" name="Rectangle 19">
-            <a:extLst>
-              <a:ext uri="{FF2B5EF4-FFF2-40B4-BE49-F238E27FC236}">
-                <a16:creationId xmlns:a16="http://schemas.microsoft.com/office/drawing/2014/main" id="{E6995CE5-F890-4ABA-82A2-26507CE8D2A3}"/>
-              </a:ext>
-              <a:ext uri="{C183D7F6-B498-43B3-948B-1728B52AA6E4}">
-                <adec:decorative xmlns:adec="http://schemas.microsoft.com/office/drawing/2017/decorative" val="1"/>
-              </a:ext>
-            </a:extLst>
-          </p:cNvPr>
-          <p:cNvSpPr>
-            <a:spLocks noGrp="1" noRot="1" noChangeAspect="1" noMove="1" noResize="1" noEditPoints="1" noAdjustHandles="1" noChangeArrowheads="1" noChangeShapeType="1" noTextEdit="1"/>
-          </p:cNvSpPr>
-          <p:nvPr>
-            <p:extLst>
-              <p:ext uri="{386F3935-93C4-4BCD-93E2-E3B085C9AB24}">
-                <p16:designElem xmlns:p16="http://schemas.microsoft.com/office/powerpoint/2015/main" val="1"/>
-              </p:ext>
-            </p:extLst>
-          </p:nvPr>
-        </p:nvSpPr>
-        <p:spPr>
-          <a:xfrm rot="5400000">
-            <a:off x="11228040" y="2313027"/>
-            <a:ext cx="781700" cy="152382"/>
-          </a:xfrm>
-          <a:prstGeom prst="rect">
-            <a:avLst/>
-          </a:prstGeom>
-          <a:solidFill>
-            <a:schemeClr val="accent4"/>
-          </a:solidFill>
-          <a:ln>
-            <a:noFill/>
-          </a:ln>
-        </p:spPr>
-        <p:style>
-          <a:lnRef idx="2">
-            <a:schemeClr val="accent1">
-              <a:shade val="50000"/>
-            </a:schemeClr>
-          </a:lnRef>
-          <a:fillRef idx="1">
-            <a:schemeClr val="accent1"/>
-          </a:fillRef>
-          <a:effectRef idx="0">
-            <a:schemeClr val="accent1"/>
-          </a:effectRef>
-          <a:fontRef idx="minor">
-            <a:schemeClr val="lt1"/>
-          </a:fontRef>
-        </p:style>
-        <p:txBody>
-          <a:bodyPr rtlCol="0" anchor="ctr"/>
-          <a:lstStyle/>
-          <a:p>
-            <a:pPr algn="ctr"/>
-            <a:endParaRPr lang="en-US"/>
-          </a:p>
-        </p:txBody>
-      </p:sp>
-      <p:sp>
-        <p:nvSpPr>
-          <p:cNvPr id="4" name="Espace réservé du pied de page 3">
-            <a:extLst>
-              <a:ext uri="{FF2B5EF4-FFF2-40B4-BE49-F238E27FC236}">
-                <a16:creationId xmlns:a16="http://schemas.microsoft.com/office/drawing/2014/main" id="{6BB03F04-03E0-EB0A-92D9-DE8A6F1D454C}"/>
-              </a:ext>
-            </a:extLst>
-          </p:cNvPr>
-          <p:cNvSpPr>
-            <a:spLocks noGrp="1"/>
-          </p:cNvSpPr>
-          <p:nvPr>
-            <p:ph type="ftr" sz="quarter" idx="11"/>
-          </p:nvPr>
-        </p:nvSpPr>
-        <p:spPr>
-          <a:xfrm>
-            <a:off x="4038600" y="6492240"/>
-            <a:ext cx="4114800" cy="365125"/>
-          </a:xfrm>
-        </p:spPr>
-        <p:txBody>
-          <a:bodyPr>
-            <a:normAutofit/>
-          </a:bodyPr>
-          <a:lstStyle/>
-          <a:p>
-            <a:pPr>
-              <a:spcAft>
-                <a:spcPts val="600"/>
-              </a:spcAft>
-            </a:pPr>
-            <a:r>
-              <a:rPr lang="fr-FR"/>
-              <a:t>Nav Connect L2 Nec</a:t>
-            </a:r>
-          </a:p>
-        </p:txBody>
-      </p:sp>
-      <p:sp>
-        <p:nvSpPr>
-          <p:cNvPr id="5" name="Espace réservé du numéro de diapositive 4">
-            <a:extLst>
-              <a:ext uri="{FF2B5EF4-FFF2-40B4-BE49-F238E27FC236}">
-                <a16:creationId xmlns:a16="http://schemas.microsoft.com/office/drawing/2014/main" id="{190B2834-7949-48B0-38F2-7BC7533B4E90}"/>
-              </a:ext>
-            </a:extLst>
-          </p:cNvPr>
-          <p:cNvSpPr>
-            <a:spLocks noGrp="1"/>
-          </p:cNvSpPr>
-          <p:nvPr>
-            <p:ph type="sldNum" sz="quarter" idx="12"/>
-          </p:nvPr>
-        </p:nvSpPr>
-        <p:spPr>
-          <a:xfrm>
-            <a:off x="8610600" y="6492240"/>
-            <a:ext cx="2743200" cy="365125"/>
-          </a:xfrm>
-        </p:spPr>
-        <p:txBody>
-          <a:bodyPr>
-            <a:normAutofit/>
-          </a:bodyPr>
-          <a:lstStyle/>
-          <a:p>
-            <a:pPr>
-              <a:spcAft>
-                <a:spcPts val="600"/>
-              </a:spcAft>
-            </a:pPr>
-            <a:fld id="{A6BB0228-DBC2-6443-AD0E-C73EA7AC6ECB}" type="slidenum">
-              <a:rPr lang="fr-FR" smtClean="0"/>
-              <a:pPr>
-                <a:spcAft>
-                  <a:spcPts val="600"/>
-                </a:spcAft>
-              </a:pPr>
-              <a:t>11</a:t>
-            </a:fld>
-            <a:endParaRPr lang="fr-FR"/>
-          </a:p>
-        </p:txBody>
-      </p:sp>
-    </p:spTree>
-    <p:extLst>
-      <p:ext uri="{BB962C8B-B14F-4D97-AF65-F5344CB8AC3E}">
-        <p14:creationId xmlns:p14="http://schemas.microsoft.com/office/powerpoint/2010/main" val="2059328391"/>
-      </p:ext>
-    </p:extLst>
-  </p:cSld>
-  <p:clrMapOvr>
-    <a:masterClrMapping/>
-  </p:clrMapOvr>
-  <p:transition spd="slow">
-    <p:wipe/>
-  </p:transition>
-</p:sld>
-</file>
-
-<file path=ppt/slides/slide12.xml><?xml version="1.0" encoding="utf-8"?>
-<p:sld xmlns:a="http://schemas.openxmlformats.org/drawingml/2006/main" xmlns:r="http://schemas.openxmlformats.org/officeDocument/2006/relationships" xmlns:p="http://schemas.openxmlformats.org/presentationml/2006/main">
-  <p:cSld>
-    <p:bg>
-      <p:bgPr>
-        <a:solidFill>
-          <a:schemeClr val="bg1"/>
-        </a:solidFill>
-        <a:effectLst/>
-      </p:bgPr>
-    </p:bg>
-    <p:spTree>
-      <p:nvGrpSpPr>
-        <p:cNvPr id="1" name=""/>
-        <p:cNvGrpSpPr/>
-        <p:nvPr/>
-      </p:nvGrpSpPr>
-      <p:grpSpPr>
-        <a:xfrm>
-          <a:off x="0" y="0"/>
-          <a:ext cx="0" cy="0"/>
-          <a:chOff x="0" y="0"/>
-          <a:chExt cx="0" cy="0"/>
-        </a:xfrm>
-      </p:grpSpPr>
-      <p:sp useBgFill="1">
-        <p:nvSpPr>
           <p:cNvPr id="10" name="Rectangle 9">
             <a:extLst>
               <a:ext uri="{FF2B5EF4-FFF2-40B4-BE49-F238E27FC236}">
@@ -15069,7 +17018,7 @@
                   <a:spcPts val="600"/>
                 </a:spcAft>
               </a:pPr>
-              <a:t>12</a:t>
+              <a:t>11</a:t>
             </a:fld>
             <a:endParaRPr lang="en-US">
               <a:solidFill>
@@ -15097,7 +17046,7 @@
 </p:sld>
 </file>
 
-<file path=ppt/slides/slide13.xml><?xml version="1.0" encoding="utf-8"?>
+<file path=ppt/slides/slide12.xml><?xml version="1.0" encoding="utf-8"?>
 <p:sld xmlns:a="http://schemas.openxmlformats.org/drawingml/2006/main" xmlns:r="http://schemas.openxmlformats.org/officeDocument/2006/relationships" xmlns:p="http://schemas.openxmlformats.org/presentationml/2006/main">
   <p:cSld>
     <p:bg>
@@ -15297,7 +17246,7 @@
                   <a:spcPts val="600"/>
                 </a:spcAft>
               </a:pPr>
-              <a:t>13</a:t>
+              <a:t>12</a:t>
             </a:fld>
             <a:endParaRPr lang="fr-FR"/>
           </a:p>
@@ -15350,9 +17299,17 @@
 </p:sld>
 </file>
 
-<file path=ppt/slides/slide14.xml><?xml version="1.0" encoding="utf-8"?>
+<file path=ppt/slides/slide13.xml><?xml version="1.0" encoding="utf-8"?>
 <p:sld xmlns:a="http://schemas.openxmlformats.org/drawingml/2006/main" xmlns:r="http://schemas.openxmlformats.org/officeDocument/2006/relationships" xmlns:p="http://schemas.openxmlformats.org/presentationml/2006/main">
   <p:cSld>
+    <p:bg>
+      <p:bgPr>
+        <a:solidFill>
+          <a:schemeClr val="bg1"/>
+        </a:solidFill>
+        <a:effectLst/>
+      </p:bgPr>
+    </p:bg>
     <p:spTree>
       <p:nvGrpSpPr>
         <p:cNvPr id="1" name=""/>
@@ -15367,6 +17324,348 @@
           <a:chExt cx="0" cy="0"/>
         </a:xfrm>
       </p:grpSpPr>
+      <p:sp useBgFill="1">
+        <p:nvSpPr>
+          <p:cNvPr id="10" name="Rectangle 9">
+            <a:extLst>
+              <a:ext uri="{FF2B5EF4-FFF2-40B4-BE49-F238E27FC236}">
+                <a16:creationId xmlns:a16="http://schemas.microsoft.com/office/drawing/2014/main" id="{B6CDA21F-E7AF-4C75-8395-33F58D5B0E45}"/>
+              </a:ext>
+              <a:ext uri="{C183D7F6-B498-43B3-948B-1728B52AA6E4}">
+                <adec:decorative xmlns:adec="http://schemas.microsoft.com/office/drawing/2017/decorative" val="1"/>
+              </a:ext>
+            </a:extLst>
+          </p:cNvPr>
+          <p:cNvSpPr>
+            <a:spLocks noGrp="1" noRot="1" noChangeAspect="1" noMove="1" noResize="1" noEditPoints="1" noAdjustHandles="1" noChangeArrowheads="1" noChangeShapeType="1" noTextEdit="1"/>
+          </p:cNvSpPr>
+          <p:nvPr>
+            <p:extLst>
+              <p:ext uri="{386F3935-93C4-4BCD-93E2-E3B085C9AB24}">
+                <p16:designElem xmlns:p16="http://schemas.microsoft.com/office/powerpoint/2015/main" val="1"/>
+              </p:ext>
+            </p:extLst>
+          </p:nvPr>
+        </p:nvSpPr>
+        <p:spPr>
+          <a:xfrm>
+            <a:off x="0" y="0"/>
+            <a:ext cx="12191999" cy="6857365"/>
+          </a:xfrm>
+          <a:prstGeom prst="rect">
+            <a:avLst/>
+          </a:prstGeom>
+          <a:ln>
+            <a:noFill/>
+          </a:ln>
+        </p:spPr>
+        <p:style>
+          <a:lnRef idx="2">
+            <a:schemeClr val="accent1">
+              <a:shade val="50000"/>
+            </a:schemeClr>
+          </a:lnRef>
+          <a:fillRef idx="1">
+            <a:schemeClr val="accent1"/>
+          </a:fillRef>
+          <a:effectRef idx="0">
+            <a:schemeClr val="accent1"/>
+          </a:effectRef>
+          <a:fontRef idx="minor">
+            <a:schemeClr val="lt1"/>
+          </a:fontRef>
+        </p:style>
+        <p:txBody>
+          <a:bodyPr rtlCol="0" anchor="ctr"/>
+          <a:lstStyle/>
+          <a:p>
+            <a:pPr algn="ctr"/>
+            <a:endParaRPr lang="en-US"/>
+          </a:p>
+        </p:txBody>
+      </p:sp>
+      <p:grpSp>
+        <p:nvGrpSpPr>
+          <p:cNvPr id="12" name="Group 11">
+            <a:extLst>
+              <a:ext uri="{FF2B5EF4-FFF2-40B4-BE49-F238E27FC236}">
+                <a16:creationId xmlns:a16="http://schemas.microsoft.com/office/drawing/2014/main" id="{AE1C45F0-260A-458C-96ED-C1F6D2151219}"/>
+              </a:ext>
+              <a:ext uri="{C183D7F6-B498-43B3-948B-1728B52AA6E4}">
+                <adec:decorative xmlns:adec="http://schemas.microsoft.com/office/drawing/2017/decorative" val="1"/>
+              </a:ext>
+            </a:extLst>
+          </p:cNvPr>
+          <p:cNvGrpSpPr>
+            <a:grpSpLocks noGrp="1" noUngrp="1" noRot="1" noChangeAspect="1" noMove="1" noResize="1"/>
+          </p:cNvGrpSpPr>
+          <p:nvPr>
+            <p:extLst>
+              <p:ext uri="{386F3935-93C4-4BCD-93E2-E3B085C9AB24}">
+                <p16:designElem xmlns:p16="http://schemas.microsoft.com/office/powerpoint/2015/main" val="1"/>
+              </p:ext>
+            </p:extLst>
+          </p:nvPr>
+        </p:nvGrpSpPr>
+        <p:grpSpPr>
+          <a:xfrm>
+            <a:off x="4" y="1216597"/>
+            <a:ext cx="731521" cy="673460"/>
+            <a:chOff x="3940602" y="308034"/>
+            <a:chExt cx="2116791" cy="3428999"/>
+          </a:xfrm>
+          <a:solidFill>
+            <a:schemeClr val="accent4"/>
+          </a:solidFill>
+        </p:grpSpPr>
+        <p:sp>
+          <p:nvSpPr>
+            <p:cNvPr id="20" name="Rectangle 19">
+              <a:extLst>
+                <a:ext uri="{FF2B5EF4-FFF2-40B4-BE49-F238E27FC236}">
+                  <a16:creationId xmlns:a16="http://schemas.microsoft.com/office/drawing/2014/main" id="{A6604B49-AD5C-4590-B051-06C8222ECD99}"/>
+                </a:ext>
+                <a:ext uri="{C183D7F6-B498-43B3-948B-1728B52AA6E4}">
+                  <adec:decorative xmlns:adec="http://schemas.microsoft.com/office/drawing/2017/decorative" val="1"/>
+                </a:ext>
+              </a:extLst>
+            </p:cNvPr>
+            <p:cNvSpPr/>
+            <p:nvPr>
+              <p:extLst>
+                <p:ext uri="{386F3935-93C4-4BCD-93E2-E3B085C9AB24}">
+                  <p16:designElem xmlns:p16="http://schemas.microsoft.com/office/powerpoint/2015/main" val="1"/>
+                </p:ext>
+              </p:extLst>
+            </p:nvPr>
+          </p:nvSpPr>
+          <p:spPr>
+            <a:xfrm>
+              <a:off x="3940602" y="308034"/>
+              <a:ext cx="566743" cy="3428999"/>
+            </a:xfrm>
+            <a:prstGeom prst="rect">
+              <a:avLst/>
+            </a:prstGeom>
+            <a:grpFill/>
+            <a:ln>
+              <a:noFill/>
+            </a:ln>
+          </p:spPr>
+          <p:style>
+            <a:lnRef idx="2">
+              <a:schemeClr val="accent1">
+                <a:shade val="50000"/>
+              </a:schemeClr>
+            </a:lnRef>
+            <a:fillRef idx="1">
+              <a:schemeClr val="accent1"/>
+            </a:fillRef>
+            <a:effectRef idx="0">
+              <a:schemeClr val="accent1"/>
+            </a:effectRef>
+            <a:fontRef idx="minor">
+              <a:schemeClr val="lt1"/>
+            </a:fontRef>
+          </p:style>
+          <p:txBody>
+            <a:bodyPr rtlCol="0" anchor="ctr"/>
+            <a:lstStyle/>
+            <a:p>
+              <a:pPr algn="ctr"/>
+              <a:endParaRPr lang="en-US"/>
+            </a:p>
+          </p:txBody>
+        </p:sp>
+        <p:sp>
+          <p:nvSpPr>
+            <p:cNvPr id="14" name="Rectangle 13">
+              <a:extLst>
+                <a:ext uri="{FF2B5EF4-FFF2-40B4-BE49-F238E27FC236}">
+                  <a16:creationId xmlns:a16="http://schemas.microsoft.com/office/drawing/2014/main" id="{743ECCAF-29C5-4537-947C-7EA1292463DB}"/>
+                </a:ext>
+                <a:ext uri="{C183D7F6-B498-43B3-948B-1728B52AA6E4}">
+                  <adec:decorative xmlns:adec="http://schemas.microsoft.com/office/drawing/2017/decorative" val="1"/>
+                </a:ext>
+              </a:extLst>
+            </p:cNvPr>
+            <p:cNvSpPr/>
+            <p:nvPr>
+              <p:extLst>
+                <p:ext uri="{386F3935-93C4-4BCD-93E2-E3B085C9AB24}">
+                  <p16:designElem xmlns:p16="http://schemas.microsoft.com/office/powerpoint/2015/main" val="1"/>
+                </p:ext>
+              </p:extLst>
+            </p:nvPr>
+          </p:nvSpPr>
+          <p:spPr>
+            <a:xfrm>
+              <a:off x="4715626" y="308034"/>
+              <a:ext cx="566743" cy="3428999"/>
+            </a:xfrm>
+            <a:prstGeom prst="rect">
+              <a:avLst/>
+            </a:prstGeom>
+            <a:grpFill/>
+            <a:ln>
+              <a:noFill/>
+            </a:ln>
+          </p:spPr>
+          <p:style>
+            <a:lnRef idx="2">
+              <a:schemeClr val="accent1">
+                <a:shade val="50000"/>
+              </a:schemeClr>
+            </a:lnRef>
+            <a:fillRef idx="1">
+              <a:schemeClr val="accent1"/>
+            </a:fillRef>
+            <a:effectRef idx="0">
+              <a:schemeClr val="accent1"/>
+            </a:effectRef>
+            <a:fontRef idx="minor">
+              <a:schemeClr val="lt1"/>
+            </a:fontRef>
+          </p:style>
+          <p:txBody>
+            <a:bodyPr rtlCol="0" anchor="ctr"/>
+            <a:lstStyle/>
+            <a:p>
+              <a:pPr algn="ctr"/>
+              <a:endParaRPr lang="en-US"/>
+            </a:p>
+          </p:txBody>
+        </p:sp>
+        <p:sp>
+          <p:nvSpPr>
+            <p:cNvPr id="21" name="Rectangle 20">
+              <a:extLst>
+                <a:ext uri="{FF2B5EF4-FFF2-40B4-BE49-F238E27FC236}">
+                  <a16:creationId xmlns:a16="http://schemas.microsoft.com/office/drawing/2014/main" id="{ED49787B-8DE6-4467-AD0A-8DECC6E0C2D6}"/>
+                </a:ext>
+                <a:ext uri="{C183D7F6-B498-43B3-948B-1728B52AA6E4}">
+                  <adec:decorative xmlns:adec="http://schemas.microsoft.com/office/drawing/2017/decorative" val="1"/>
+                </a:ext>
+              </a:extLst>
+            </p:cNvPr>
+            <p:cNvSpPr/>
+            <p:nvPr>
+              <p:extLst>
+                <p:ext uri="{386F3935-93C4-4BCD-93E2-E3B085C9AB24}">
+                  <p16:designElem xmlns:p16="http://schemas.microsoft.com/office/powerpoint/2015/main" val="1"/>
+                </p:ext>
+              </p:extLst>
+            </p:nvPr>
+          </p:nvSpPr>
+          <p:spPr>
+            <a:xfrm>
+              <a:off x="5490650" y="308034"/>
+              <a:ext cx="566743" cy="3428999"/>
+            </a:xfrm>
+            <a:prstGeom prst="rect">
+              <a:avLst/>
+            </a:prstGeom>
+            <a:grpFill/>
+            <a:ln>
+              <a:noFill/>
+            </a:ln>
+          </p:spPr>
+          <p:style>
+            <a:lnRef idx="2">
+              <a:schemeClr val="accent1">
+                <a:shade val="50000"/>
+              </a:schemeClr>
+            </a:lnRef>
+            <a:fillRef idx="1">
+              <a:schemeClr val="accent1"/>
+            </a:fillRef>
+            <a:effectRef idx="0">
+              <a:schemeClr val="accent1"/>
+            </a:effectRef>
+            <a:fontRef idx="minor">
+              <a:schemeClr val="lt1"/>
+            </a:fontRef>
+          </p:style>
+          <p:txBody>
+            <a:bodyPr rtlCol="0" anchor="ctr"/>
+            <a:lstStyle/>
+            <a:p>
+              <a:pPr algn="ctr"/>
+              <a:endParaRPr lang="en-US"/>
+            </a:p>
+          </p:txBody>
+        </p:sp>
+      </p:grpSp>
+      <p:sp>
+        <p:nvSpPr>
+          <p:cNvPr id="22" name="Rectangle 21">
+            <a:extLst>
+              <a:ext uri="{FF2B5EF4-FFF2-40B4-BE49-F238E27FC236}">
+                <a16:creationId xmlns:a16="http://schemas.microsoft.com/office/drawing/2014/main" id="{D5B0017B-2ECA-49AF-B397-DC140825DF8D}"/>
+              </a:ext>
+              <a:ext uri="{C183D7F6-B498-43B3-948B-1728B52AA6E4}">
+                <adec:decorative xmlns:adec="http://schemas.microsoft.com/office/drawing/2017/decorative" val="1"/>
+              </a:ext>
+            </a:extLst>
+          </p:cNvPr>
+          <p:cNvSpPr>
+            <a:spLocks noGrp="1" noRot="1" noChangeAspect="1" noMove="1" noResize="1" noEditPoints="1" noAdjustHandles="1" noChangeArrowheads="1" noChangeShapeType="1" noTextEdit="1"/>
+          </p:cNvSpPr>
+          <p:nvPr>
+            <p:extLst>
+              <p:ext uri="{386F3935-93C4-4BCD-93E2-E3B085C9AB24}">
+                <p16:designElem xmlns:p16="http://schemas.microsoft.com/office/powerpoint/2015/main" val="1"/>
+              </p:ext>
+            </p:extLst>
+          </p:nvPr>
+        </p:nvSpPr>
+        <p:spPr>
+          <a:xfrm>
+            <a:off x="640079" y="613954"/>
+            <a:ext cx="10907487" cy="1894116"/>
+          </a:xfrm>
+          <a:prstGeom prst="rect">
+            <a:avLst/>
+          </a:prstGeom>
+          <a:solidFill>
+            <a:schemeClr val="bg1"/>
+          </a:solidFill>
+          <a:ln>
+            <a:noFill/>
+          </a:ln>
+          <a:effectLst>
+            <a:outerShdw blurRad="139700" dist="127000" dir="5400000" algn="t" rotWithShape="0">
+              <a:prstClr val="black">
+                <a:alpha val="15000"/>
+              </a:prstClr>
+            </a:outerShdw>
+          </a:effectLst>
+        </p:spPr>
+        <p:style>
+          <a:lnRef idx="2">
+            <a:schemeClr val="accent1">
+              <a:shade val="50000"/>
+            </a:schemeClr>
+          </a:lnRef>
+          <a:fillRef idx="1">
+            <a:schemeClr val="accent1"/>
+          </a:fillRef>
+          <a:effectRef idx="0">
+            <a:schemeClr val="accent1"/>
+          </a:effectRef>
+          <a:fontRef idx="minor">
+            <a:schemeClr val="lt1"/>
+          </a:fontRef>
+        </p:style>
+        <p:txBody>
+          <a:bodyPr rtlCol="0" anchor="ctr"/>
+          <a:lstStyle/>
+          <a:p>
+            <a:pPr algn="ctr"/>
+            <a:endParaRPr lang="en-US"/>
+          </a:p>
+        </p:txBody>
+      </p:sp>
       <p:sp>
         <p:nvSpPr>
           <p:cNvPr id="2" name="Titre 1">
@@ -15383,18 +17682,130 @@
             <p:ph type="title"/>
           </p:nvPr>
         </p:nvSpPr>
-        <p:spPr/>
+        <p:spPr>
+          <a:xfrm>
+            <a:off x="1043631" y="809898"/>
+            <a:ext cx="9942716" cy="1554480"/>
+          </a:xfrm>
+        </p:spPr>
         <p:txBody>
-          <a:bodyPr/>
+          <a:bodyPr anchor="ctr">
+            <a:normAutofit/>
+          </a:bodyPr>
           <a:lstStyle/>
           <a:p>
             <a:r>
-              <a:rPr lang="fr-FR" dirty="0"/>
+              <a:rPr lang="fr-FR" sz="4800"/>
               <a:t>Bilan</a:t>
             </a:r>
           </a:p>
         </p:txBody>
       </p:sp>
+      <p:sp>
+        <p:nvSpPr>
+          <p:cNvPr id="23" name="Espace réservé du contenu 4">
+            <a:extLst>
+              <a:ext uri="{FF2B5EF4-FFF2-40B4-BE49-F238E27FC236}">
+                <a16:creationId xmlns:a16="http://schemas.microsoft.com/office/drawing/2014/main" id="{7BB53427-60AA-B498-D61B-2BFFC7516721}"/>
+              </a:ext>
+            </a:extLst>
+          </p:cNvPr>
+          <p:cNvSpPr>
+            <a:spLocks noGrp="1"/>
+          </p:cNvSpPr>
+          <p:nvPr>
+            <p:ph idx="1"/>
+          </p:nvPr>
+        </p:nvSpPr>
+        <p:spPr>
+          <a:xfrm>
+            <a:off x="1045028" y="3017522"/>
+            <a:ext cx="9941319" cy="3124658"/>
+          </a:xfrm>
+        </p:spPr>
+        <p:txBody>
+          <a:bodyPr anchor="ctr">
+            <a:normAutofit/>
+          </a:bodyPr>
+          <a:lstStyle/>
+          <a:p>
+            <a:r>
+              <a:rPr lang="fr-FR" sz="2400" dirty="0"/>
+              <a:t>Complétude du projet  95%</a:t>
+            </a:r>
+          </a:p>
+          <a:p>
+            <a:endParaRPr lang="fr-FR" sz="2400" dirty="0"/>
+          </a:p>
+          <a:p>
+            <a:r>
+              <a:rPr lang="fr-FR" sz="2400" dirty="0"/>
+              <a:t>Problème : Changement d’architecture </a:t>
+            </a:r>
+          </a:p>
+          <a:p>
+            <a:endParaRPr lang="fr-FR" sz="2400" dirty="0"/>
+          </a:p>
+          <a:p>
+            <a:r>
+              <a:rPr lang="fr-FR" sz="2400" dirty="0"/>
+              <a:t>Amélioration du fichier Excel </a:t>
+            </a:r>
+          </a:p>
+        </p:txBody>
+      </p:sp>
+      <p:cxnSp>
+        <p:nvCxnSpPr>
+          <p:cNvPr id="19" name="Straight Connector 18">
+            <a:extLst>
+              <a:ext uri="{FF2B5EF4-FFF2-40B4-BE49-F238E27FC236}">
+                <a16:creationId xmlns:a16="http://schemas.microsoft.com/office/drawing/2014/main" id="{6CF1BAF6-AD41-4082-B212-8A1F9A2E8779}"/>
+              </a:ext>
+              <a:ext uri="{C183D7F6-B498-43B3-948B-1728B52AA6E4}">
+                <adec:decorative xmlns:adec="http://schemas.microsoft.com/office/drawing/2017/decorative" val="1"/>
+              </a:ext>
+            </a:extLst>
+          </p:cNvPr>
+          <p:cNvCxnSpPr>
+            <a:cxnSpLocks noGrp="1" noRot="1" noChangeAspect="1" noMove="1" noResize="1" noEditPoints="1" noAdjustHandles="1" noChangeArrowheads="1" noChangeShapeType="1"/>
+          </p:cNvCxnSpPr>
+          <p:nvPr>
+            <p:extLst>
+              <p:ext uri="{386F3935-93C4-4BCD-93E2-E3B085C9AB24}">
+                <p16:designElem xmlns:p16="http://schemas.microsoft.com/office/powerpoint/2015/main" val="1"/>
+              </p:ext>
+            </p:extLst>
+          </p:nvPr>
+        </p:nvCxnSpPr>
+        <p:spPr>
+          <a:xfrm flipH="1">
+            <a:off x="838200" y="6485313"/>
+            <a:ext cx="10515600" cy="0"/>
+          </a:xfrm>
+          <a:prstGeom prst="line">
+            <a:avLst/>
+          </a:prstGeom>
+          <a:ln w="57150">
+            <a:solidFill>
+              <a:schemeClr val="accent4"/>
+            </a:solidFill>
+          </a:ln>
+        </p:spPr>
+        <p:style>
+          <a:lnRef idx="1">
+            <a:schemeClr val="accent1"/>
+          </a:lnRef>
+          <a:fillRef idx="0">
+            <a:schemeClr val="accent1"/>
+          </a:fillRef>
+          <a:effectRef idx="0">
+            <a:schemeClr val="accent1"/>
+          </a:effectRef>
+          <a:fontRef idx="minor">
+            <a:schemeClr val="tx1"/>
+          </a:fontRef>
+        </p:style>
+      </p:cxnSp>
       <p:sp>
         <p:nvSpPr>
           <p:cNvPr id="3" name="Espace réservé du pied de page 2">
@@ -15411,11 +17822,23 @@
             <p:ph type="ftr" sz="quarter" idx="11"/>
           </p:nvPr>
         </p:nvSpPr>
-        <p:spPr/>
+        <p:spPr>
+          <a:xfrm>
+            <a:off x="4038600" y="6492240"/>
+            <a:ext cx="4114800" cy="365125"/>
+          </a:xfrm>
+        </p:spPr>
         <p:txBody>
-          <a:bodyPr/>
+          <a:bodyPr>
+            <a:normAutofit/>
+          </a:bodyPr>
           <a:lstStyle/>
           <a:p>
+            <a:pPr>
+              <a:spcAft>
+                <a:spcPts val="600"/>
+              </a:spcAft>
+            </a:pPr>
             <a:r>
               <a:rPr lang="fr-FR"/>
               <a:t>Nav Connect L2 Nec</a:t>
@@ -15439,14 +17862,31 @@
             <p:ph type="sldNum" sz="quarter" idx="12"/>
           </p:nvPr>
         </p:nvSpPr>
-        <p:spPr/>
+        <p:spPr>
+          <a:xfrm>
+            <a:off x="8610600" y="6492240"/>
+            <a:ext cx="2743200" cy="365125"/>
+          </a:xfrm>
+        </p:spPr>
         <p:txBody>
-          <a:bodyPr/>
+          <a:bodyPr>
+            <a:normAutofit/>
+          </a:bodyPr>
           <a:lstStyle/>
           <a:p>
+            <a:pPr>
+              <a:spcAft>
+                <a:spcPts val="600"/>
+              </a:spcAft>
+            </a:pPr>
             <a:fld id="{A6BB0228-DBC2-6443-AD0E-C73EA7AC6ECB}" type="slidenum">
               <a:rPr lang="fr-FR" smtClean="0"/>
-              <a:t>14</a:t>
+              <a:pPr>
+                <a:spcAft>
+                  <a:spcPts val="600"/>
+                </a:spcAft>
+              </a:pPr>
+              <a:t>13</a:t>
             </a:fld>
             <a:endParaRPr lang="fr-FR"/>
           </a:p>
@@ -15940,7 +18380,7 @@
           <a:p>
             <a:r>
               <a:rPr lang="fr-FR" sz="2400" dirty="0"/>
-              <a:t>Vues</a:t>
+              <a:t>Architecture</a:t>
             </a:r>
           </a:p>
           <a:p>
@@ -16482,66 +18922,6 @@
           <a:chExt cx="0" cy="0"/>
         </a:xfrm>
       </p:grpSpPr>
-      <p:sp useBgFill="1">
-        <p:nvSpPr>
-          <p:cNvPr id="24" name="Rectangle 23">
-            <a:extLst>
-              <a:ext uri="{FF2B5EF4-FFF2-40B4-BE49-F238E27FC236}">
-                <a16:creationId xmlns:a16="http://schemas.microsoft.com/office/drawing/2014/main" id="{4FFBEE45-F140-49D5-85EA-C78C24340B23}"/>
-              </a:ext>
-              <a:ext uri="{C183D7F6-B498-43B3-948B-1728B52AA6E4}">
-                <adec:decorative xmlns:adec="http://schemas.microsoft.com/office/drawing/2017/decorative" val="1"/>
-              </a:ext>
-            </a:extLst>
-          </p:cNvPr>
-          <p:cNvSpPr>
-            <a:spLocks noGrp="1" noRot="1" noChangeAspect="1" noMove="1" noResize="1" noEditPoints="1" noAdjustHandles="1" noChangeArrowheads="1" noChangeShapeType="1" noTextEdit="1"/>
-          </p:cNvSpPr>
-          <p:nvPr>
-            <p:extLst>
-              <p:ext uri="{386F3935-93C4-4BCD-93E2-E3B085C9AB24}">
-                <p16:designElem xmlns:p16="http://schemas.microsoft.com/office/powerpoint/2015/main" val="1"/>
-              </p:ext>
-            </p:extLst>
-          </p:nvPr>
-        </p:nvSpPr>
-        <p:spPr>
-          <a:xfrm>
-            <a:off x="0" y="-1"/>
-            <a:ext cx="12188952" cy="6858000"/>
-          </a:xfrm>
-          <a:prstGeom prst="rect">
-            <a:avLst/>
-          </a:prstGeom>
-          <a:ln>
-            <a:noFill/>
-          </a:ln>
-        </p:spPr>
-        <p:style>
-          <a:lnRef idx="2">
-            <a:schemeClr val="accent1">
-              <a:shade val="50000"/>
-            </a:schemeClr>
-          </a:lnRef>
-          <a:fillRef idx="1">
-            <a:schemeClr val="accent1"/>
-          </a:fillRef>
-          <a:effectRef idx="0">
-            <a:schemeClr val="accent1"/>
-          </a:effectRef>
-          <a:fontRef idx="minor">
-            <a:schemeClr val="lt1"/>
-          </a:fontRef>
-        </p:style>
-        <p:txBody>
-          <a:bodyPr rtlCol="0" anchor="ctr"/>
-          <a:lstStyle/>
-          <a:p>
-            <a:pPr algn="ctr"/>
-            <a:endParaRPr lang="en-US"/>
-          </a:p>
-        </p:txBody>
-      </p:sp>
       <p:sp>
         <p:nvSpPr>
           <p:cNvPr id="2" name="Titre 1">
@@ -16558,12 +18938,7 @@
             <p:ph type="title"/>
           </p:nvPr>
         </p:nvSpPr>
-        <p:spPr>
-          <a:xfrm>
-            <a:off x="838200" y="365125"/>
-            <a:ext cx="10515600" cy="1828444"/>
-          </a:xfrm>
-        </p:spPr>
+        <p:spPr/>
         <p:txBody>
           <a:bodyPr>
             <a:normAutofit/>
@@ -16571,7 +18946,7 @@
           <a:lstStyle/>
           <a:p>
             <a:r>
-              <a:rPr lang="fr-FR" sz="5200"/>
+              <a:rPr lang="fr-FR" sz="5200" dirty="0"/>
               <a:t>Contexte</a:t>
             </a:r>
           </a:p>
@@ -16579,10 +18954,10 @@
       </p:sp>
       <p:sp>
         <p:nvSpPr>
-          <p:cNvPr id="8" name="Espace réservé du contenu 7">
+          <p:cNvPr id="3" name="Espace réservé du texte 2">
             <a:extLst>
               <a:ext uri="{FF2B5EF4-FFF2-40B4-BE49-F238E27FC236}">
-                <a16:creationId xmlns:a16="http://schemas.microsoft.com/office/drawing/2014/main" id="{6DF8B7C6-25BA-D5E0-1F99-9928606CC2BE}"/>
+                <a16:creationId xmlns:a16="http://schemas.microsoft.com/office/drawing/2014/main" id="{500CCB4A-9064-8A39-19AE-133E2327D0D6}"/>
               </a:ext>
             </a:extLst>
           </p:cNvPr>
@@ -16590,53 +18965,83 @@
             <a:spLocks noGrp="1"/>
           </p:cNvSpPr>
           <p:nvPr>
-            <p:ph sz="half" idx="1"/>
+            <p:ph type="body" idx="1"/>
           </p:nvPr>
         </p:nvSpPr>
-        <p:spPr>
-          <a:xfrm>
-            <a:off x="838200" y="2398626"/>
-            <a:ext cx="5158427" cy="3730460"/>
-          </a:xfrm>
-        </p:spPr>
+        <p:spPr/>
         <p:txBody>
-          <a:bodyPr>
-            <a:normAutofit/>
-          </a:bodyPr>
+          <a:bodyPr/>
           <a:lstStyle/>
           <a:p>
-            <a:pPr marL="0" indent="0">
-              <a:buNone/>
-            </a:pPr>
             <a:r>
-              <a:rPr lang="fr-FR" sz="2000" dirty="0"/>
+              <a:rPr lang="fr-FR" sz="2400" dirty="0"/>
               <a:t>Problématique :</a:t>
             </a:r>
           </a:p>
           <a:p>
-            <a:endParaRPr lang="fr-FR" sz="2000" dirty="0"/>
+            <a:endParaRPr lang="fr-FR" dirty="0"/>
           </a:p>
+        </p:txBody>
+      </p:sp>
+      <p:graphicFrame>
+        <p:nvGraphicFramePr>
+          <p:cNvPr id="14" name="Espace réservé du contenu 7">
+            <a:extLst>
+              <a:ext uri="{FF2B5EF4-FFF2-40B4-BE49-F238E27FC236}">
+                <a16:creationId xmlns:a16="http://schemas.microsoft.com/office/drawing/2014/main" id="{FFE7B158-E62F-D0EB-6B1C-0C13CC44F36E}"/>
+              </a:ext>
+            </a:extLst>
+          </p:cNvPr>
+          <p:cNvGraphicFramePr>
+            <a:graphicFrameLocks noGrp="1"/>
+          </p:cNvGraphicFramePr>
+          <p:nvPr>
+            <p:ph sz="half" idx="2"/>
+            <p:extLst>
+              <p:ext uri="{D42A27DB-BD31-4B8C-83A1-F6EECF244321}">
+                <p14:modId xmlns:p14="http://schemas.microsoft.com/office/powerpoint/2010/main" val="1094556925"/>
+              </p:ext>
+            </p:extLst>
+          </p:nvPr>
+        </p:nvGraphicFramePr>
+        <p:xfrm>
+          <a:off x="839788" y="2505075"/>
+          <a:ext cx="5157787" cy="3684588"/>
+        </p:xfrm>
+        <a:graphic>
+          <a:graphicData uri="http://schemas.openxmlformats.org/drawingml/2006/diagram">
+            <dgm:relIds xmlns:dgm="http://schemas.openxmlformats.org/drawingml/2006/diagram" xmlns:r="http://schemas.openxmlformats.org/officeDocument/2006/relationships" r:dm="rId2" r:lo="rId3" r:qs="rId4" r:cs="rId5"/>
+          </a:graphicData>
+        </a:graphic>
+      </p:graphicFrame>
+      <p:sp>
+        <p:nvSpPr>
+          <p:cNvPr id="4" name="Espace réservé du texte 3">
+            <a:extLst>
+              <a:ext uri="{FF2B5EF4-FFF2-40B4-BE49-F238E27FC236}">
+                <a16:creationId xmlns:a16="http://schemas.microsoft.com/office/drawing/2014/main" id="{F8B45F47-1049-FA49-0FC4-ECF517159BDE}"/>
+              </a:ext>
+            </a:extLst>
+          </p:cNvPr>
+          <p:cNvSpPr>
+            <a:spLocks noGrp="1"/>
+          </p:cNvSpPr>
+          <p:nvPr>
+            <p:ph type="body" sz="quarter" idx="3"/>
+          </p:nvPr>
+        </p:nvSpPr>
+        <p:spPr/>
+        <p:txBody>
+          <a:bodyPr/>
+          <a:lstStyle/>
           <a:p>
-            <a:pPr marL="0" indent="0">
-              <a:buNone/>
-            </a:pPr>
             <a:r>
-              <a:rPr lang="fr-FR" sz="2000" dirty="0">
-                <a:sym typeface="Wingdings" pitchFamily="2" charset="2"/>
-              </a:rPr>
-              <a:t>Enormément de perte de temps </a:t>
+              <a:rPr lang="fr-FR" sz="2400" dirty="0"/>
+              <a:t>Solution :</a:t>
             </a:r>
           </a:p>
           <a:p>
-            <a:pPr marL="0" indent="0">
-              <a:buNone/>
-            </a:pPr>
-            <a:r>
-              <a:rPr lang="fr-FR" sz="2000" dirty="0">
-                <a:sym typeface="Wingdings" pitchFamily="2" charset="2"/>
-              </a:rPr>
-              <a:t>Compliqué de réserver un trajet </a:t>
-            </a:r>
+            <a:endParaRPr lang="fr-FR" dirty="0"/>
           </a:p>
         </p:txBody>
       </p:sp>
@@ -16653,15 +19058,10 @@
             <a:spLocks noGrp="1"/>
           </p:cNvSpPr>
           <p:nvPr>
-            <p:ph sz="half" idx="2"/>
+            <p:ph sz="quarter" idx="4"/>
           </p:nvPr>
         </p:nvSpPr>
-        <p:spPr>
-          <a:xfrm>
-            <a:off x="6189154" y="2398626"/>
-            <a:ext cx="5164645" cy="3730460"/>
-          </a:xfrm>
-        </p:spPr>
+        <p:spPr/>
         <p:txBody>
           <a:bodyPr>
             <a:normAutofit/>
@@ -16672,22 +19072,10 @@
               <a:buNone/>
             </a:pPr>
             <a:r>
-              <a:rPr lang="fr-FR" sz="2000" dirty="0"/>
-              <a:t>Solution :</a:t>
-            </a:r>
-          </a:p>
-          <a:p>
-            <a:endParaRPr lang="fr-FR" sz="2000" dirty="0"/>
-          </a:p>
-          <a:p>
-            <a:pPr marL="0" indent="0">
-              <a:buNone/>
-            </a:pPr>
-            <a:r>
               <a:rPr lang="fr-FR" sz="2000" dirty="0">
                 <a:sym typeface="Wingdings" pitchFamily="2" charset="2"/>
               </a:rPr>
-              <a:t>Proposer un site web simple et fonctionnel </a:t>
+              <a:t>Proposer un site web simple et fonctionnel </a:t>
             </a:r>
             <a:endParaRPr lang="fr-FR" sz="2000" dirty="0"/>
           </a:p>
@@ -16709,12 +19097,7 @@
             <p:ph type="ftr" sz="quarter" idx="11"/>
           </p:nvPr>
         </p:nvSpPr>
-        <p:spPr>
-          <a:xfrm>
-            <a:off x="4038600" y="6356350"/>
-            <a:ext cx="4114800" cy="365125"/>
-          </a:xfrm>
-        </p:spPr>
+        <p:spPr/>
         <p:txBody>
           <a:bodyPr>
             <a:normAutofit/>
@@ -16749,12 +19132,7 @@
             <p:ph type="sldNum" sz="quarter" idx="12"/>
           </p:nvPr>
         </p:nvSpPr>
-        <p:spPr>
-          <a:xfrm>
-            <a:off x="8610600" y="6356350"/>
-            <a:ext cx="2743200" cy="365125"/>
-          </a:xfrm>
-        </p:spPr>
+        <p:spPr/>
         <p:txBody>
           <a:bodyPr>
             <a:normAutofit/>
@@ -17144,7 +19522,7 @@
               <a:rPr lang="fr-FR" sz="1700" dirty="0">
                 <a:sym typeface="Wingdings" pitchFamily="2" charset="2"/>
               </a:rPr>
-              <a:t> David Thomas : classe DAO, avant-projet, rapport</a:t>
+              <a:t> David Thomas : classe DAO, avant-projet, rapport, méthodes</a:t>
             </a:r>
           </a:p>
           <a:p>

--- a/AVANT-PROJET/Présentation NavConnect.pptx
+++ b/AVANT-PROJET/Présentation NavConnect.pptx
@@ -3700,10 +3700,10 @@
         <a:lstStyle/>
         <a:p>
           <a:r>
-            <a:rPr lang="fr-FR"/>
-            <a:t>Quoi : Site permettant de réserver un trajet entre tous les différents sites de UPPA</a:t>
+            <a:rPr lang="fr-FR" dirty="0"/>
+            <a:t>Quoi : Site permettant de réserver un trajet entre différents sites de UPPA</a:t>
           </a:r>
-          <a:endParaRPr lang="en-US"/>
+          <a:endParaRPr lang="en-US" dirty="0"/>
         </a:p>
       </dgm:t>
     </dgm:pt>
@@ -5154,10 +5154,10 @@
             <a:buNone/>
           </a:pPr>
           <a:r>
-            <a:rPr lang="fr-FR" sz="2300" kern="1200"/>
-            <a:t>Quoi : Site permettant de réserver un trajet entre tous les différents sites de UPPA</a:t>
+            <a:rPr lang="fr-FR" sz="2300" kern="1200" dirty="0"/>
+            <a:t>Quoi : Site permettant de réserver un trajet entre différents sites de UPPA</a:t>
           </a:r>
-          <a:endParaRPr lang="en-US" sz="2300" kern="1200"/>
+          <a:endParaRPr lang="en-US" sz="2300" kern="1200" dirty="0"/>
         </a:p>
       </dsp:txBody>
       <dsp:txXfrm>
@@ -17902,13 +17902,13 @@
   <p:clrMapOvr>
     <a:masterClrMapping/>
   </p:clrMapOvr>
-  <mc:AlternateContent xmlns:mc="http://schemas.openxmlformats.org/markup-compatibility/2006">
-    <mc:Choice xmlns:p15="http://schemas.microsoft.com/office/powerpoint/2012/main" Requires="p15">
+  <mc:AlternateContent xmlns:mc="http://schemas.openxmlformats.org/markup-compatibility/2006" xmlns:p15="http://schemas.microsoft.com/office/powerpoint/2012/main">
+    <mc:Choice Requires="p15">
       <p:transition xmlns:p14="http://schemas.microsoft.com/office/powerpoint/2010/main" spd="slow" p14:dur="3250">
         <p15:prstTrans prst="origami"/>
       </p:transition>
     </mc:Choice>
-    <mc:Fallback>
+    <mc:Fallback xmlns="">
       <p:transition spd="slow">
         <p:fade/>
       </p:transition>
@@ -19424,43 +19424,7 @@
               <a:rPr lang="fr-FR" sz="1700" dirty="0">
                 <a:sym typeface="Wingdings" pitchFamily="2" charset="2"/>
               </a:rPr>
-              <a:t> </a:t>
-            </a:r>
-            <a:r>
-              <a:rPr lang="fr-FR" sz="1700" dirty="0" err="1">
-                <a:sym typeface="Wingdings" pitchFamily="2" charset="2"/>
-              </a:rPr>
-              <a:t>Pyere</a:t>
-            </a:r>
-            <a:r>
-              <a:rPr lang="fr-FR" sz="1700" dirty="0">
-                <a:sym typeface="Wingdings" pitchFamily="2" charset="2"/>
-              </a:rPr>
-              <a:t> </a:t>
-            </a:r>
-            <a:r>
-              <a:rPr lang="fr-FR" sz="1700" dirty="0" err="1">
-                <a:sym typeface="Wingdings" pitchFamily="2" charset="2"/>
-              </a:rPr>
-              <a:t>Athur</a:t>
-            </a:r>
-            <a:r>
-              <a:rPr lang="fr-FR" sz="1700" dirty="0">
-                <a:sym typeface="Wingdings" pitchFamily="2" charset="2"/>
-              </a:rPr>
-              <a:t> : CSS, partie admin, </a:t>
-            </a:r>
-            <a:r>
-              <a:rPr lang="fr-FR" sz="1700" dirty="0" err="1">
-                <a:sym typeface="Wingdings" pitchFamily="2" charset="2"/>
-              </a:rPr>
-              <a:t>architecure</a:t>
-            </a:r>
-            <a:r>
-              <a:rPr lang="fr-FR" sz="1700" dirty="0">
-                <a:sym typeface="Wingdings" pitchFamily="2" charset="2"/>
-              </a:rPr>
-              <a:t> MVC</a:t>
+              <a:t> Peyre Arthur : CSS, partie admin, architecture MVC</a:t>
             </a:r>
           </a:p>
           <a:p>
@@ -19932,7 +19896,7 @@
             <p:ph sz="half" idx="1"/>
             <p:extLst>
               <p:ext uri="{D42A27DB-BD31-4B8C-83A1-F6EECF244321}">
-                <p14:modId xmlns:p14="http://schemas.microsoft.com/office/powerpoint/2010/main" val="209559794"/>
+                <p14:modId xmlns:p14="http://schemas.microsoft.com/office/powerpoint/2010/main" val="1509720487"/>
               </p:ext>
             </p:extLst>
           </p:nvPr>
